--- a/Wap_Game_Team2 시작발표.pptx
+++ b/Wap_Game_Team2 시작발표.pptx
@@ -5,7 +5,7 @@
     <p:sldMasterId id="2147483648" r:id="rId1"/>
   </p:sldMasterIdLst>
   <p:notesMasterIdLst>
-    <p:notesMasterId r:id="rId24"/>
+    <p:notesMasterId r:id="rId26"/>
   </p:notesMasterIdLst>
   <p:sldIdLst>
     <p:sldId id="256" r:id="rId2"/>
@@ -29,7 +29,9 @@
     <p:sldId id="272" r:id="rId20"/>
     <p:sldId id="288" r:id="rId21"/>
     <p:sldId id="289" r:id="rId22"/>
-    <p:sldId id="270" r:id="rId23"/>
+    <p:sldId id="290" r:id="rId23"/>
+    <p:sldId id="291" r:id="rId24"/>
+    <p:sldId id="270" r:id="rId25"/>
   </p:sldIdLst>
   <p:sldSz cx="18288000" cy="10287000"/>
   <p:notesSz cx="10287000" cy="18288000"/>
@@ -157,439 +159,6 @@
 
 <file path=ppt/changesInfos/changesInfo1.xml><?xml version="1.0" encoding="utf-8"?>
 <pc:chgInfo xmlns:a="http://schemas.openxmlformats.org/drawingml/2006/main" xmlns:r="http://schemas.openxmlformats.org/officeDocument/2006/relationships" xmlns:ac="http://schemas.microsoft.com/office/drawing/2013/main/command" xmlns:pc="http://schemas.microsoft.com/office/powerpoint/2013/main/command">
-  <pc:docChgLst>
-    <pc:chgData name="홍 준표" userId="102a1f0307eceb40" providerId="LiveId" clId="{F6E6A0CE-E2AA-4C3C-8181-1F6A5C724F15}"/>
-    <pc:docChg chg="undo custSel modSld">
-      <pc:chgData name="홍 준표" userId="102a1f0307eceb40" providerId="LiveId" clId="{F6E6A0CE-E2AA-4C3C-8181-1F6A5C724F15}" dt="2022-04-08T06:42:59.586" v="1707" actId="14100"/>
-      <pc:docMkLst>
-        <pc:docMk/>
-      </pc:docMkLst>
-      <pc:sldChg chg="modSp mod">
-        <pc:chgData name="홍 준표" userId="102a1f0307eceb40" providerId="LiveId" clId="{F6E6A0CE-E2AA-4C3C-8181-1F6A5C724F15}" dt="2022-04-06T05:30:50.593" v="356"/>
-        <pc:sldMkLst>
-          <pc:docMk/>
-          <pc:sldMk cId="0" sldId="258"/>
-        </pc:sldMkLst>
-        <pc:spChg chg="mod">
-          <ac:chgData name="홍 준표" userId="102a1f0307eceb40" providerId="LiveId" clId="{F6E6A0CE-E2AA-4C3C-8181-1F6A5C724F15}" dt="2022-04-06T05:30:50.593" v="356"/>
-          <ac:spMkLst>
-            <pc:docMk/>
-            <pc:sldMk cId="0" sldId="258"/>
-            <ac:spMk id="9" creationId="{00000000-0000-0000-0000-000000000000}"/>
-          </ac:spMkLst>
-        </pc:spChg>
-        <pc:spChg chg="mod">
-          <ac:chgData name="홍 준표" userId="102a1f0307eceb40" providerId="LiveId" clId="{F6E6A0CE-E2AA-4C3C-8181-1F6A5C724F15}" dt="2022-04-06T05:27:17.370" v="214" actId="20577"/>
-          <ac:spMkLst>
-            <pc:docMk/>
-            <pc:sldMk cId="0" sldId="258"/>
-            <ac:spMk id="10" creationId="{00000000-0000-0000-0000-000000000000}"/>
-          </ac:spMkLst>
-        </pc:spChg>
-      </pc:sldChg>
-      <pc:sldChg chg="addSp delSp modSp mod">
-        <pc:chgData name="홍 준표" userId="102a1f0307eceb40" providerId="LiveId" clId="{F6E6A0CE-E2AA-4C3C-8181-1F6A5C724F15}" dt="2022-04-06T05:53:11.758" v="887" actId="1076"/>
-        <pc:sldMkLst>
-          <pc:docMk/>
-          <pc:sldMk cId="4186656446" sldId="273"/>
-        </pc:sldMkLst>
-        <pc:spChg chg="add mod">
-          <ac:chgData name="홍 준표" userId="102a1f0307eceb40" providerId="LiveId" clId="{F6E6A0CE-E2AA-4C3C-8181-1F6A5C724F15}" dt="2022-04-06T05:52:48.325" v="856" actId="1076"/>
-          <ac:spMkLst>
-            <pc:docMk/>
-            <pc:sldMk cId="4186656446" sldId="273"/>
-            <ac:spMk id="8" creationId="{7D75A800-A2CB-4AD9-BAB6-D591CE107CC7}"/>
-          </ac:spMkLst>
-        </pc:spChg>
-        <pc:spChg chg="add del mod">
-          <ac:chgData name="홍 준표" userId="102a1f0307eceb40" providerId="LiveId" clId="{F6E6A0CE-E2AA-4C3C-8181-1F6A5C724F15}" dt="2022-04-06T05:51:18.050" v="728" actId="478"/>
-          <ac:spMkLst>
-            <pc:docMk/>
-            <pc:sldMk cId="4186656446" sldId="273"/>
-            <ac:spMk id="14" creationId="{920D306E-259A-4601-B2F2-2CF824240708}"/>
-          </ac:spMkLst>
-        </pc:spChg>
-        <pc:spChg chg="add del mod">
-          <ac:chgData name="홍 준표" userId="102a1f0307eceb40" providerId="LiveId" clId="{F6E6A0CE-E2AA-4C3C-8181-1F6A5C724F15}" dt="2022-04-06T05:51:53.423" v="782" actId="478"/>
-          <ac:spMkLst>
-            <pc:docMk/>
-            <pc:sldMk cId="4186656446" sldId="273"/>
-            <ac:spMk id="18" creationId="{36C403BA-857D-4D28-AC38-B4EEEA2B0E76}"/>
-          </ac:spMkLst>
-        </pc:spChg>
-        <pc:spChg chg="add mod">
-          <ac:chgData name="홍 준표" userId="102a1f0307eceb40" providerId="LiveId" clId="{F6E6A0CE-E2AA-4C3C-8181-1F6A5C724F15}" dt="2022-04-06T05:52:48.325" v="856" actId="1076"/>
-          <ac:spMkLst>
-            <pc:docMk/>
-            <pc:sldMk cId="4186656446" sldId="273"/>
-            <ac:spMk id="23" creationId="{961E5C74-5C6F-4C81-A2E6-2106ADA9860C}"/>
-          </ac:spMkLst>
-        </pc:spChg>
-        <pc:spChg chg="add mod">
-          <ac:chgData name="홍 준표" userId="102a1f0307eceb40" providerId="LiveId" clId="{F6E6A0CE-E2AA-4C3C-8181-1F6A5C724F15}" dt="2022-04-06T05:53:11.758" v="887" actId="1076"/>
-          <ac:spMkLst>
-            <pc:docMk/>
-            <pc:sldMk cId="4186656446" sldId="273"/>
-            <ac:spMk id="26" creationId="{1B4B3BA3-0B4D-4E21-B7C3-1A6EA2611346}"/>
-          </ac:spMkLst>
-        </pc:spChg>
-        <pc:spChg chg="del">
-          <ac:chgData name="홍 준표" userId="102a1f0307eceb40" providerId="LiveId" clId="{F6E6A0CE-E2AA-4C3C-8181-1F6A5C724F15}" dt="2022-04-06T05:49:16.406" v="562" actId="478"/>
-          <ac:spMkLst>
-            <pc:docMk/>
-            <pc:sldMk cId="4186656446" sldId="273"/>
-            <ac:spMk id="31" creationId="{00000000-0000-0000-0000-000000000000}"/>
-          </ac:spMkLst>
-        </pc:spChg>
-        <pc:grpChg chg="mod">
-          <ac:chgData name="홍 준표" userId="102a1f0307eceb40" providerId="LiveId" clId="{F6E6A0CE-E2AA-4C3C-8181-1F6A5C724F15}" dt="2022-04-06T05:52:04.602" v="786" actId="1076"/>
-          <ac:grpSpMkLst>
-            <pc:docMk/>
-            <pc:sldMk cId="4186656446" sldId="273"/>
-            <ac:grpSpMk id="1001" creationId="{00000000-0000-0000-0000-000000000000}"/>
-          </ac:grpSpMkLst>
-        </pc:grpChg>
-        <pc:grpChg chg="del mod">
-          <ac:chgData name="홍 준표" userId="102a1f0307eceb40" providerId="LiveId" clId="{F6E6A0CE-E2AA-4C3C-8181-1F6A5C724F15}" dt="2022-04-06T05:49:26.275" v="567" actId="478"/>
-          <ac:grpSpMkLst>
-            <pc:docMk/>
-            <pc:sldMk cId="4186656446" sldId="273"/>
-            <ac:grpSpMk id="1002" creationId="{00000000-0000-0000-0000-000000000000}"/>
-          </ac:grpSpMkLst>
-        </pc:grpChg>
-        <pc:picChg chg="add mod">
-          <ac:chgData name="홍 준표" userId="102a1f0307eceb40" providerId="LiveId" clId="{F6E6A0CE-E2AA-4C3C-8181-1F6A5C724F15}" dt="2022-04-06T05:52:48.325" v="856" actId="1076"/>
-          <ac:picMkLst>
-            <pc:docMk/>
-            <pc:sldMk cId="4186656446" sldId="273"/>
-            <ac:picMk id="4" creationId="{FD481B93-504E-470B-8739-0681343FBD5A}"/>
-          </ac:picMkLst>
-        </pc:picChg>
-        <pc:picChg chg="del topLvl">
-          <ac:chgData name="홍 준표" userId="102a1f0307eceb40" providerId="LiveId" clId="{F6E6A0CE-E2AA-4C3C-8181-1F6A5C724F15}" dt="2022-04-06T05:49:26.275" v="567" actId="478"/>
-          <ac:picMkLst>
-            <pc:docMk/>
-            <pc:sldMk cId="4186656446" sldId="273"/>
-            <ac:picMk id="6" creationId="{00000000-0000-0000-0000-000000000000}"/>
-          </ac:picMkLst>
-        </pc:picChg>
-        <pc:picChg chg="del">
-          <ac:chgData name="홍 준표" userId="102a1f0307eceb40" providerId="LiveId" clId="{F6E6A0CE-E2AA-4C3C-8181-1F6A5C724F15}" dt="2022-04-06T05:49:18.011" v="563" actId="478"/>
-          <ac:picMkLst>
-            <pc:docMk/>
-            <pc:sldMk cId="4186656446" sldId="273"/>
-            <ac:picMk id="10" creationId="{00000000-0000-0000-0000-000000000000}"/>
-          </ac:picMkLst>
-        </pc:picChg>
-        <pc:picChg chg="del">
-          <ac:chgData name="홍 준표" userId="102a1f0307eceb40" providerId="LiveId" clId="{F6E6A0CE-E2AA-4C3C-8181-1F6A5C724F15}" dt="2022-04-06T05:49:18.504" v="564" actId="478"/>
-          <ac:picMkLst>
-            <pc:docMk/>
-            <pc:sldMk cId="4186656446" sldId="273"/>
-            <ac:picMk id="2054" creationId="{00000000-0000-0000-0000-000000000000}"/>
-          </ac:picMkLst>
-        </pc:picChg>
-        <pc:cxnChg chg="add mod">
-          <ac:chgData name="홍 준표" userId="102a1f0307eceb40" providerId="LiveId" clId="{F6E6A0CE-E2AA-4C3C-8181-1F6A5C724F15}" dt="2022-04-06T05:52:48.325" v="856" actId="1076"/>
-          <ac:cxnSpMkLst>
-            <pc:docMk/>
-            <pc:sldMk cId="4186656446" sldId="273"/>
-            <ac:cxnSpMk id="7" creationId="{C61C2003-63C4-4510-BFDC-7F326BDE0541}"/>
-          </ac:cxnSpMkLst>
-        </pc:cxnChg>
-        <pc:cxnChg chg="add mod">
-          <ac:chgData name="홍 준표" userId="102a1f0307eceb40" providerId="LiveId" clId="{F6E6A0CE-E2AA-4C3C-8181-1F6A5C724F15}" dt="2022-04-06T05:52:48.325" v="856" actId="1076"/>
-          <ac:cxnSpMkLst>
-            <pc:docMk/>
-            <pc:sldMk cId="4186656446" sldId="273"/>
-            <ac:cxnSpMk id="15" creationId="{57C7F8E9-14D2-46FE-AC15-AB3016AAE90D}"/>
-          </ac:cxnSpMkLst>
-        </pc:cxnChg>
-        <pc:cxnChg chg="add mod">
-          <ac:chgData name="홍 준표" userId="102a1f0307eceb40" providerId="LiveId" clId="{F6E6A0CE-E2AA-4C3C-8181-1F6A5C724F15}" dt="2022-04-06T05:52:58.118" v="859" actId="1582"/>
-          <ac:cxnSpMkLst>
-            <pc:docMk/>
-            <pc:sldMk cId="4186656446" sldId="273"/>
-            <ac:cxnSpMk id="20" creationId="{BB026F2D-76E0-433F-B1A1-FB9A182C474D}"/>
-          </ac:cxnSpMkLst>
-        </pc:cxnChg>
-      </pc:sldChg>
-      <pc:sldChg chg="modSp mod">
-        <pc:chgData name="홍 준표" userId="102a1f0307eceb40" providerId="LiveId" clId="{F6E6A0CE-E2AA-4C3C-8181-1F6A5C724F15}" dt="2022-04-06T06:11:02.441" v="1459" actId="1076"/>
-        <pc:sldMkLst>
-          <pc:docMk/>
-          <pc:sldMk cId="17678841" sldId="274"/>
-        </pc:sldMkLst>
-        <pc:spChg chg="mod">
-          <ac:chgData name="홍 준표" userId="102a1f0307eceb40" providerId="LiveId" clId="{F6E6A0CE-E2AA-4C3C-8181-1F6A5C724F15}" dt="2022-04-06T06:10:08.491" v="1364" actId="20577"/>
-          <ac:spMkLst>
-            <pc:docMk/>
-            <pc:sldMk cId="17678841" sldId="274"/>
-            <ac:spMk id="9" creationId="{00000000-0000-0000-0000-000000000000}"/>
-          </ac:spMkLst>
-        </pc:spChg>
-        <pc:spChg chg="mod">
-          <ac:chgData name="홍 준표" userId="102a1f0307eceb40" providerId="LiveId" clId="{F6E6A0CE-E2AA-4C3C-8181-1F6A5C724F15}" dt="2022-04-06T06:11:02.441" v="1459" actId="1076"/>
-          <ac:spMkLst>
-            <pc:docMk/>
-            <pc:sldMk cId="17678841" sldId="274"/>
-            <ac:spMk id="18" creationId="{00000000-0000-0000-0000-000000000000}"/>
-          </ac:spMkLst>
-        </pc:spChg>
-        <pc:spChg chg="mod">
-          <ac:chgData name="홍 준표" userId="102a1f0307eceb40" providerId="LiveId" clId="{F6E6A0CE-E2AA-4C3C-8181-1F6A5C724F15}" dt="2022-04-06T05:55:27.624" v="931" actId="20577"/>
-          <ac:spMkLst>
-            <pc:docMk/>
-            <pc:sldMk cId="17678841" sldId="274"/>
-            <ac:spMk id="24" creationId="{00000000-0000-0000-0000-000000000000}"/>
-          </ac:spMkLst>
-        </pc:spChg>
-      </pc:sldChg>
-      <pc:sldChg chg="addSp delSp modSp mod">
-        <pc:chgData name="홍 준표" userId="102a1f0307eceb40" providerId="LiveId" clId="{F6E6A0CE-E2AA-4C3C-8181-1F6A5C724F15}" dt="2022-04-06T06:11:37.140" v="1461" actId="14100"/>
-        <pc:sldMkLst>
-          <pc:docMk/>
-          <pc:sldMk cId="245658872" sldId="276"/>
-        </pc:sldMkLst>
-        <pc:spChg chg="add mod">
-          <ac:chgData name="홍 준표" userId="102a1f0307eceb40" providerId="LiveId" clId="{F6E6A0CE-E2AA-4C3C-8181-1F6A5C724F15}" dt="2022-04-06T05:59:00.786" v="972" actId="20577"/>
-          <ac:spMkLst>
-            <pc:docMk/>
-            <pc:sldMk cId="245658872" sldId="276"/>
-            <ac:spMk id="19" creationId="{98409A7E-1E1E-42D6-8E55-3D1EDF937EF9}"/>
-          </ac:spMkLst>
-        </pc:spChg>
-        <pc:spChg chg="del mod">
-          <ac:chgData name="홍 준표" userId="102a1f0307eceb40" providerId="LiveId" clId="{F6E6A0CE-E2AA-4C3C-8181-1F6A5C724F15}" dt="2022-04-06T05:58:49.307" v="939" actId="478"/>
-          <ac:spMkLst>
-            <pc:docMk/>
-            <pc:sldMk cId="245658872" sldId="276"/>
-            <ac:spMk id="20" creationId="{00000000-0000-0000-0000-000000000000}"/>
-          </ac:spMkLst>
-        </pc:spChg>
-        <pc:spChg chg="mod">
-          <ac:chgData name="홍 준표" userId="102a1f0307eceb40" providerId="LiveId" clId="{F6E6A0CE-E2AA-4C3C-8181-1F6A5C724F15}" dt="2022-04-06T06:01:52.650" v="978" actId="20577"/>
-          <ac:spMkLst>
-            <pc:docMk/>
-            <pc:sldMk cId="245658872" sldId="276"/>
-            <ac:spMk id="31" creationId="{00000000-0000-0000-0000-000000000000}"/>
-          </ac:spMkLst>
-        </pc:spChg>
-        <pc:spChg chg="mod">
-          <ac:chgData name="홍 준표" userId="102a1f0307eceb40" providerId="LiveId" clId="{F6E6A0CE-E2AA-4C3C-8181-1F6A5C724F15}" dt="2022-04-06T06:00:29.823" v="973" actId="1076"/>
-          <ac:spMkLst>
-            <pc:docMk/>
-            <pc:sldMk cId="245658872" sldId="276"/>
-            <ac:spMk id="37" creationId="{00000000-0000-0000-0000-000000000000}"/>
-          </ac:spMkLst>
-        </pc:spChg>
-        <pc:grpChg chg="add mod ord">
-          <ac:chgData name="홍 준표" userId="102a1f0307eceb40" providerId="LiveId" clId="{F6E6A0CE-E2AA-4C3C-8181-1F6A5C724F15}" dt="2022-04-06T05:58:44.069" v="937" actId="167"/>
-          <ac:grpSpMkLst>
-            <pc:docMk/>
-            <pc:sldMk cId="245658872" sldId="276"/>
-            <ac:grpSpMk id="17" creationId="{FE9BBC06-0701-49CC-B525-7B927A5757F4}"/>
-          </ac:grpSpMkLst>
-        </pc:grpChg>
-        <pc:grpChg chg="del">
-          <ac:chgData name="홍 준표" userId="102a1f0307eceb40" providerId="LiveId" clId="{F6E6A0CE-E2AA-4C3C-8181-1F6A5C724F15}" dt="2022-04-06T05:58:09.471" v="932" actId="478"/>
-          <ac:grpSpMkLst>
-            <pc:docMk/>
-            <pc:sldMk cId="245658872" sldId="276"/>
-            <ac:grpSpMk id="1001" creationId="{00000000-0000-0000-0000-000000000000}"/>
-          </ac:grpSpMkLst>
-        </pc:grpChg>
-        <pc:grpChg chg="mod">
-          <ac:chgData name="홍 준표" userId="102a1f0307eceb40" providerId="LiveId" clId="{F6E6A0CE-E2AA-4C3C-8181-1F6A5C724F15}" dt="2022-04-06T06:11:37.140" v="1461" actId="14100"/>
-          <ac:grpSpMkLst>
-            <pc:docMk/>
-            <pc:sldMk cId="245658872" sldId="276"/>
-            <ac:grpSpMk id="1005" creationId="{00000000-0000-0000-0000-000000000000}"/>
-          </ac:grpSpMkLst>
-        </pc:grpChg>
-        <pc:picChg chg="mod">
-          <ac:chgData name="홍 준표" userId="102a1f0307eceb40" providerId="LiveId" clId="{F6E6A0CE-E2AA-4C3C-8181-1F6A5C724F15}" dt="2022-04-06T05:58:37.978" v="936" actId="1076"/>
-          <ac:picMkLst>
-            <pc:docMk/>
-            <pc:sldMk cId="245658872" sldId="276"/>
-            <ac:picMk id="18" creationId="{4F735FAA-7029-4497-8F3F-3D9D4AD51F07}"/>
-          </ac:picMkLst>
-        </pc:picChg>
-      </pc:sldChg>
-      <pc:sldChg chg="delSp modSp mod">
-        <pc:chgData name="홍 준표" userId="102a1f0307eceb40" providerId="LiveId" clId="{F6E6A0CE-E2AA-4C3C-8181-1F6A5C724F15}" dt="2022-04-06T05:47:42.795" v="560" actId="20577"/>
-        <pc:sldMkLst>
-          <pc:docMk/>
-          <pc:sldMk cId="332322059" sldId="282"/>
-        </pc:sldMkLst>
-        <pc:spChg chg="mod">
-          <ac:chgData name="홍 준표" userId="102a1f0307eceb40" providerId="LiveId" clId="{F6E6A0CE-E2AA-4C3C-8181-1F6A5C724F15}" dt="2022-04-06T05:47:42.795" v="560" actId="20577"/>
-          <ac:spMkLst>
-            <pc:docMk/>
-            <pc:sldMk cId="332322059" sldId="282"/>
-            <ac:spMk id="8" creationId="{00000000-0000-0000-0000-000000000000}"/>
-          </ac:spMkLst>
-        </pc:spChg>
-        <pc:spChg chg="mod">
-          <ac:chgData name="홍 준표" userId="102a1f0307eceb40" providerId="LiveId" clId="{F6E6A0CE-E2AA-4C3C-8181-1F6A5C724F15}" dt="2022-04-06T05:47:27.266" v="551" actId="1076"/>
-          <ac:spMkLst>
-            <pc:docMk/>
-            <pc:sldMk cId="332322059" sldId="282"/>
-            <ac:spMk id="9" creationId="{00000000-0000-0000-0000-000000000000}"/>
-          </ac:spMkLst>
-        </pc:spChg>
-        <pc:grpChg chg="del">
-          <ac:chgData name="홍 준표" userId="102a1f0307eceb40" providerId="LiveId" clId="{F6E6A0CE-E2AA-4C3C-8181-1F6A5C724F15}" dt="2022-04-06T05:47:05.081" v="547" actId="478"/>
-          <ac:grpSpMkLst>
-            <pc:docMk/>
-            <pc:sldMk cId="332322059" sldId="282"/>
-            <ac:grpSpMk id="1003" creationId="{00000000-0000-0000-0000-000000000000}"/>
-          </ac:grpSpMkLst>
-        </pc:grpChg>
-      </pc:sldChg>
-      <pc:sldChg chg="delSp modSp mod">
-        <pc:chgData name="홍 준표" userId="102a1f0307eceb40" providerId="LiveId" clId="{F6E6A0CE-E2AA-4C3C-8181-1F6A5C724F15}" dt="2022-04-06T06:04:31.590" v="1023" actId="20577"/>
-        <pc:sldMkLst>
-          <pc:docMk/>
-          <pc:sldMk cId="78750301" sldId="283"/>
-        </pc:sldMkLst>
-        <pc:spChg chg="mod">
-          <ac:chgData name="홍 준표" userId="102a1f0307eceb40" providerId="LiveId" clId="{F6E6A0CE-E2AA-4C3C-8181-1F6A5C724F15}" dt="2022-04-06T06:04:31.590" v="1023" actId="20577"/>
-          <ac:spMkLst>
-            <pc:docMk/>
-            <pc:sldMk cId="78750301" sldId="283"/>
-            <ac:spMk id="9" creationId="{00000000-0000-0000-0000-000000000000}"/>
-          </ac:spMkLst>
-        </pc:spChg>
-        <pc:grpChg chg="del">
-          <ac:chgData name="홍 준표" userId="102a1f0307eceb40" providerId="LiveId" clId="{F6E6A0CE-E2AA-4C3C-8181-1F6A5C724F15}" dt="2022-04-06T05:54:38.480" v="916" actId="478"/>
-          <ac:grpSpMkLst>
-            <pc:docMk/>
-            <pc:sldMk cId="78750301" sldId="283"/>
-            <ac:grpSpMk id="12" creationId="{00000000-0000-0000-0000-000000000000}"/>
-          </ac:grpSpMkLst>
-        </pc:grpChg>
-      </pc:sldChg>
-      <pc:sldChg chg="modSp mod">
-        <pc:chgData name="홍 준표" userId="102a1f0307eceb40" providerId="LiveId" clId="{F6E6A0CE-E2AA-4C3C-8181-1F6A5C724F15}" dt="2022-04-06T06:16:25.880" v="1539" actId="1076"/>
-        <pc:sldMkLst>
-          <pc:docMk/>
-          <pc:sldMk cId="3882001749" sldId="284"/>
-        </pc:sldMkLst>
-        <pc:spChg chg="mod">
-          <ac:chgData name="홍 준표" userId="102a1f0307eceb40" providerId="LiveId" clId="{F6E6A0CE-E2AA-4C3C-8181-1F6A5C724F15}" dt="2022-04-06T06:03:34.265" v="981" actId="20577"/>
-          <ac:spMkLst>
-            <pc:docMk/>
-            <pc:sldMk cId="3882001749" sldId="284"/>
-            <ac:spMk id="32" creationId="{00000000-0000-0000-0000-000000000000}"/>
-          </ac:spMkLst>
-        </pc:spChg>
-        <pc:spChg chg="mod">
-          <ac:chgData name="홍 준표" userId="102a1f0307eceb40" providerId="LiveId" clId="{F6E6A0CE-E2AA-4C3C-8181-1F6A5C724F15}" dt="2022-04-06T06:16:05.104" v="1531" actId="14100"/>
-          <ac:spMkLst>
-            <pc:docMk/>
-            <pc:sldMk cId="3882001749" sldId="284"/>
-            <ac:spMk id="43" creationId="{00000000-0000-0000-0000-000000000000}"/>
-          </ac:spMkLst>
-        </pc:spChg>
-        <pc:spChg chg="mod">
-          <ac:chgData name="홍 준표" userId="102a1f0307eceb40" providerId="LiveId" clId="{F6E6A0CE-E2AA-4C3C-8181-1F6A5C724F15}" dt="2022-04-06T06:15:49.394" v="1526" actId="1076"/>
-          <ac:spMkLst>
-            <pc:docMk/>
-            <pc:sldMk cId="3882001749" sldId="284"/>
-            <ac:spMk id="48" creationId="{00000000-0000-0000-0000-000000000000}"/>
-          </ac:spMkLst>
-        </pc:spChg>
-        <pc:spChg chg="mod">
-          <ac:chgData name="홍 준표" userId="102a1f0307eceb40" providerId="LiveId" clId="{F6E6A0CE-E2AA-4C3C-8181-1F6A5C724F15}" dt="2022-04-06T06:16:12.773" v="1536" actId="1076"/>
-          <ac:spMkLst>
-            <pc:docMk/>
-            <pc:sldMk cId="3882001749" sldId="284"/>
-            <ac:spMk id="49" creationId="{00000000-0000-0000-0000-000000000000}"/>
-          </ac:spMkLst>
-        </pc:spChg>
-        <pc:spChg chg="mod">
-          <ac:chgData name="홍 준표" userId="102a1f0307eceb40" providerId="LiveId" clId="{F6E6A0CE-E2AA-4C3C-8181-1F6A5C724F15}" dt="2022-04-06T06:16:25.880" v="1539" actId="1076"/>
-          <ac:spMkLst>
-            <pc:docMk/>
-            <pc:sldMk cId="3882001749" sldId="284"/>
-            <ac:spMk id="50" creationId="{00000000-0000-0000-0000-000000000000}"/>
-          </ac:spMkLst>
-        </pc:spChg>
-        <pc:spChg chg="mod">
-          <ac:chgData name="홍 준표" userId="102a1f0307eceb40" providerId="LiveId" clId="{F6E6A0CE-E2AA-4C3C-8181-1F6A5C724F15}" dt="2022-04-06T06:15:42.879" v="1524" actId="1076"/>
-          <ac:spMkLst>
-            <pc:docMk/>
-            <pc:sldMk cId="3882001749" sldId="284"/>
-            <ac:spMk id="51" creationId="{00000000-0000-0000-0000-000000000000}"/>
-          </ac:spMkLst>
-        </pc:spChg>
-        <pc:grpChg chg="mod">
-          <ac:chgData name="홍 준표" userId="102a1f0307eceb40" providerId="LiveId" clId="{F6E6A0CE-E2AA-4C3C-8181-1F6A5C724F15}" dt="2022-04-06T06:16:12.773" v="1536" actId="1076"/>
-          <ac:grpSpMkLst>
-            <pc:docMk/>
-            <pc:sldMk cId="3882001749" sldId="284"/>
-            <ac:grpSpMk id="30" creationId="{00000000-0000-0000-0000-000000000000}"/>
-          </ac:grpSpMkLst>
-        </pc:grpChg>
-        <pc:grpChg chg="mod">
-          <ac:chgData name="홍 준표" userId="102a1f0307eceb40" providerId="LiveId" clId="{F6E6A0CE-E2AA-4C3C-8181-1F6A5C724F15}" dt="2022-04-06T06:13:52.915" v="1518" actId="14100"/>
-          <ac:grpSpMkLst>
-            <pc:docMk/>
-            <pc:sldMk cId="3882001749" sldId="284"/>
-            <ac:grpSpMk id="41" creationId="{00000000-0000-0000-0000-000000000000}"/>
-          </ac:grpSpMkLst>
-        </pc:grpChg>
-        <pc:grpChg chg="mod">
-          <ac:chgData name="홍 준표" userId="102a1f0307eceb40" providerId="LiveId" clId="{F6E6A0CE-E2AA-4C3C-8181-1F6A5C724F15}" dt="2022-04-06T06:16:19.161" v="1538" actId="1076"/>
-          <ac:grpSpMkLst>
-            <pc:docMk/>
-            <pc:sldMk cId="3882001749" sldId="284"/>
-            <ac:grpSpMk id="1001" creationId="{00000000-0000-0000-0000-000000000000}"/>
-          </ac:grpSpMkLst>
-        </pc:grpChg>
-        <pc:picChg chg="mod">
-          <ac:chgData name="홍 준표" userId="102a1f0307eceb40" providerId="LiveId" clId="{F6E6A0CE-E2AA-4C3C-8181-1F6A5C724F15}" dt="2022-04-06T06:16:12.773" v="1536" actId="1076"/>
-          <ac:picMkLst>
-            <pc:docMk/>
-            <pc:sldMk cId="3882001749" sldId="284"/>
-            <ac:picMk id="31" creationId="{00000000-0000-0000-0000-000000000000}"/>
-          </ac:picMkLst>
-        </pc:picChg>
-        <pc:picChg chg="mod">
-          <ac:chgData name="홍 준표" userId="102a1f0307eceb40" providerId="LiveId" clId="{F6E6A0CE-E2AA-4C3C-8181-1F6A5C724F15}" dt="2022-04-06T06:16:18.101" v="1537" actId="14100"/>
-          <ac:picMkLst>
-            <pc:docMk/>
-            <pc:sldMk cId="3882001749" sldId="284"/>
-            <ac:picMk id="54" creationId="{00000000-0000-0000-0000-000000000000}"/>
-          </ac:picMkLst>
-        </pc:picChg>
-        <pc:picChg chg="mod">
-          <ac:chgData name="홍 준표" userId="102a1f0307eceb40" providerId="LiveId" clId="{F6E6A0CE-E2AA-4C3C-8181-1F6A5C724F15}" dt="2022-04-06T06:15:40.514" v="1523" actId="1076"/>
-          <ac:picMkLst>
-            <pc:docMk/>
-            <pc:sldMk cId="3882001749" sldId="284"/>
-            <ac:picMk id="6146" creationId="{00000000-0000-0000-0000-000000000000}"/>
-          </ac:picMkLst>
-        </pc:picChg>
-      </pc:sldChg>
-      <pc:sldChg chg="modSp mod">
-        <pc:chgData name="홍 준표" userId="102a1f0307eceb40" providerId="LiveId" clId="{F6E6A0CE-E2AA-4C3C-8181-1F6A5C724F15}" dt="2022-04-08T06:42:59.586" v="1707" actId="14100"/>
-        <pc:sldMkLst>
-          <pc:docMk/>
-          <pc:sldMk cId="960460631" sldId="289"/>
-        </pc:sldMkLst>
-        <pc:graphicFrameChg chg="mod modGraphic">
-          <ac:chgData name="홍 준표" userId="102a1f0307eceb40" providerId="LiveId" clId="{F6E6A0CE-E2AA-4C3C-8181-1F6A5C724F15}" dt="2022-04-08T06:42:59.586" v="1707" actId="14100"/>
-          <ac:graphicFrameMkLst>
-            <pc:docMk/>
-            <pc:sldMk cId="960460631" sldId="289"/>
-            <ac:graphicFrameMk id="2" creationId="{6CFD0E96-FDC2-4027-A668-E3175AA1ED45}"/>
-          </ac:graphicFrameMkLst>
-        </pc:graphicFrameChg>
-      </pc:sldChg>
-    </pc:docChg>
-  </pc:docChgLst>
   <pc:docChgLst>
     <pc:chgData name="홍 준표" userId="102a1f0307eceb40" providerId="LiveId" clId="{6EE0DADC-B7F2-4495-87BE-CD2C7B93C6DD}"/>
     <pc:docChg chg="undo custSel addSld delSld modSld sldOrd">
@@ -1115,6 +684,439 @@
       </pc:sldChg>
     </pc:docChg>
   </pc:docChgLst>
+  <pc:docChgLst>
+    <pc:chgData name="홍 준표" userId="102a1f0307eceb40" providerId="LiveId" clId="{F6E6A0CE-E2AA-4C3C-8181-1F6A5C724F15}"/>
+    <pc:docChg chg="undo custSel modSld">
+      <pc:chgData name="홍 준표" userId="102a1f0307eceb40" providerId="LiveId" clId="{F6E6A0CE-E2AA-4C3C-8181-1F6A5C724F15}" dt="2022-04-08T06:42:59.586" v="1707" actId="14100"/>
+      <pc:docMkLst>
+        <pc:docMk/>
+      </pc:docMkLst>
+      <pc:sldChg chg="modSp mod">
+        <pc:chgData name="홍 준표" userId="102a1f0307eceb40" providerId="LiveId" clId="{F6E6A0CE-E2AA-4C3C-8181-1F6A5C724F15}" dt="2022-04-06T05:30:50.593" v="356"/>
+        <pc:sldMkLst>
+          <pc:docMk/>
+          <pc:sldMk cId="0" sldId="258"/>
+        </pc:sldMkLst>
+        <pc:spChg chg="mod">
+          <ac:chgData name="홍 준표" userId="102a1f0307eceb40" providerId="LiveId" clId="{F6E6A0CE-E2AA-4C3C-8181-1F6A5C724F15}" dt="2022-04-06T05:30:50.593" v="356"/>
+          <ac:spMkLst>
+            <pc:docMk/>
+            <pc:sldMk cId="0" sldId="258"/>
+            <ac:spMk id="9" creationId="{00000000-0000-0000-0000-000000000000}"/>
+          </ac:spMkLst>
+        </pc:spChg>
+        <pc:spChg chg="mod">
+          <ac:chgData name="홍 준표" userId="102a1f0307eceb40" providerId="LiveId" clId="{F6E6A0CE-E2AA-4C3C-8181-1F6A5C724F15}" dt="2022-04-06T05:27:17.370" v="214" actId="20577"/>
+          <ac:spMkLst>
+            <pc:docMk/>
+            <pc:sldMk cId="0" sldId="258"/>
+            <ac:spMk id="10" creationId="{00000000-0000-0000-0000-000000000000}"/>
+          </ac:spMkLst>
+        </pc:spChg>
+      </pc:sldChg>
+      <pc:sldChg chg="addSp delSp modSp mod">
+        <pc:chgData name="홍 준표" userId="102a1f0307eceb40" providerId="LiveId" clId="{F6E6A0CE-E2AA-4C3C-8181-1F6A5C724F15}" dt="2022-04-06T05:53:11.758" v="887" actId="1076"/>
+        <pc:sldMkLst>
+          <pc:docMk/>
+          <pc:sldMk cId="4186656446" sldId="273"/>
+        </pc:sldMkLst>
+        <pc:spChg chg="add mod">
+          <ac:chgData name="홍 준표" userId="102a1f0307eceb40" providerId="LiveId" clId="{F6E6A0CE-E2AA-4C3C-8181-1F6A5C724F15}" dt="2022-04-06T05:52:48.325" v="856" actId="1076"/>
+          <ac:spMkLst>
+            <pc:docMk/>
+            <pc:sldMk cId="4186656446" sldId="273"/>
+            <ac:spMk id="8" creationId="{7D75A800-A2CB-4AD9-BAB6-D591CE107CC7}"/>
+          </ac:spMkLst>
+        </pc:spChg>
+        <pc:spChg chg="add del mod">
+          <ac:chgData name="홍 준표" userId="102a1f0307eceb40" providerId="LiveId" clId="{F6E6A0CE-E2AA-4C3C-8181-1F6A5C724F15}" dt="2022-04-06T05:51:18.050" v="728" actId="478"/>
+          <ac:spMkLst>
+            <pc:docMk/>
+            <pc:sldMk cId="4186656446" sldId="273"/>
+            <ac:spMk id="14" creationId="{920D306E-259A-4601-B2F2-2CF824240708}"/>
+          </ac:spMkLst>
+        </pc:spChg>
+        <pc:spChg chg="add del mod">
+          <ac:chgData name="홍 준표" userId="102a1f0307eceb40" providerId="LiveId" clId="{F6E6A0CE-E2AA-4C3C-8181-1F6A5C724F15}" dt="2022-04-06T05:51:53.423" v="782" actId="478"/>
+          <ac:spMkLst>
+            <pc:docMk/>
+            <pc:sldMk cId="4186656446" sldId="273"/>
+            <ac:spMk id="18" creationId="{36C403BA-857D-4D28-AC38-B4EEEA2B0E76}"/>
+          </ac:spMkLst>
+        </pc:spChg>
+        <pc:spChg chg="add mod">
+          <ac:chgData name="홍 준표" userId="102a1f0307eceb40" providerId="LiveId" clId="{F6E6A0CE-E2AA-4C3C-8181-1F6A5C724F15}" dt="2022-04-06T05:52:48.325" v="856" actId="1076"/>
+          <ac:spMkLst>
+            <pc:docMk/>
+            <pc:sldMk cId="4186656446" sldId="273"/>
+            <ac:spMk id="23" creationId="{961E5C74-5C6F-4C81-A2E6-2106ADA9860C}"/>
+          </ac:spMkLst>
+        </pc:spChg>
+        <pc:spChg chg="add mod">
+          <ac:chgData name="홍 준표" userId="102a1f0307eceb40" providerId="LiveId" clId="{F6E6A0CE-E2AA-4C3C-8181-1F6A5C724F15}" dt="2022-04-06T05:53:11.758" v="887" actId="1076"/>
+          <ac:spMkLst>
+            <pc:docMk/>
+            <pc:sldMk cId="4186656446" sldId="273"/>
+            <ac:spMk id="26" creationId="{1B4B3BA3-0B4D-4E21-B7C3-1A6EA2611346}"/>
+          </ac:spMkLst>
+        </pc:spChg>
+        <pc:spChg chg="del">
+          <ac:chgData name="홍 준표" userId="102a1f0307eceb40" providerId="LiveId" clId="{F6E6A0CE-E2AA-4C3C-8181-1F6A5C724F15}" dt="2022-04-06T05:49:16.406" v="562" actId="478"/>
+          <ac:spMkLst>
+            <pc:docMk/>
+            <pc:sldMk cId="4186656446" sldId="273"/>
+            <ac:spMk id="31" creationId="{00000000-0000-0000-0000-000000000000}"/>
+          </ac:spMkLst>
+        </pc:spChg>
+        <pc:grpChg chg="mod">
+          <ac:chgData name="홍 준표" userId="102a1f0307eceb40" providerId="LiveId" clId="{F6E6A0CE-E2AA-4C3C-8181-1F6A5C724F15}" dt="2022-04-06T05:52:04.602" v="786" actId="1076"/>
+          <ac:grpSpMkLst>
+            <pc:docMk/>
+            <pc:sldMk cId="4186656446" sldId="273"/>
+            <ac:grpSpMk id="1001" creationId="{00000000-0000-0000-0000-000000000000}"/>
+          </ac:grpSpMkLst>
+        </pc:grpChg>
+        <pc:grpChg chg="del mod">
+          <ac:chgData name="홍 준표" userId="102a1f0307eceb40" providerId="LiveId" clId="{F6E6A0CE-E2AA-4C3C-8181-1F6A5C724F15}" dt="2022-04-06T05:49:26.275" v="567" actId="478"/>
+          <ac:grpSpMkLst>
+            <pc:docMk/>
+            <pc:sldMk cId="4186656446" sldId="273"/>
+            <ac:grpSpMk id="1002" creationId="{00000000-0000-0000-0000-000000000000}"/>
+          </ac:grpSpMkLst>
+        </pc:grpChg>
+        <pc:picChg chg="add mod">
+          <ac:chgData name="홍 준표" userId="102a1f0307eceb40" providerId="LiveId" clId="{F6E6A0CE-E2AA-4C3C-8181-1F6A5C724F15}" dt="2022-04-06T05:52:48.325" v="856" actId="1076"/>
+          <ac:picMkLst>
+            <pc:docMk/>
+            <pc:sldMk cId="4186656446" sldId="273"/>
+            <ac:picMk id="4" creationId="{FD481B93-504E-470B-8739-0681343FBD5A}"/>
+          </ac:picMkLst>
+        </pc:picChg>
+        <pc:picChg chg="del topLvl">
+          <ac:chgData name="홍 준표" userId="102a1f0307eceb40" providerId="LiveId" clId="{F6E6A0CE-E2AA-4C3C-8181-1F6A5C724F15}" dt="2022-04-06T05:49:26.275" v="567" actId="478"/>
+          <ac:picMkLst>
+            <pc:docMk/>
+            <pc:sldMk cId="4186656446" sldId="273"/>
+            <ac:picMk id="6" creationId="{00000000-0000-0000-0000-000000000000}"/>
+          </ac:picMkLst>
+        </pc:picChg>
+        <pc:picChg chg="del">
+          <ac:chgData name="홍 준표" userId="102a1f0307eceb40" providerId="LiveId" clId="{F6E6A0CE-E2AA-4C3C-8181-1F6A5C724F15}" dt="2022-04-06T05:49:18.011" v="563" actId="478"/>
+          <ac:picMkLst>
+            <pc:docMk/>
+            <pc:sldMk cId="4186656446" sldId="273"/>
+            <ac:picMk id="10" creationId="{00000000-0000-0000-0000-000000000000}"/>
+          </ac:picMkLst>
+        </pc:picChg>
+        <pc:picChg chg="del">
+          <ac:chgData name="홍 준표" userId="102a1f0307eceb40" providerId="LiveId" clId="{F6E6A0CE-E2AA-4C3C-8181-1F6A5C724F15}" dt="2022-04-06T05:49:18.504" v="564" actId="478"/>
+          <ac:picMkLst>
+            <pc:docMk/>
+            <pc:sldMk cId="4186656446" sldId="273"/>
+            <ac:picMk id="2054" creationId="{00000000-0000-0000-0000-000000000000}"/>
+          </ac:picMkLst>
+        </pc:picChg>
+        <pc:cxnChg chg="add mod">
+          <ac:chgData name="홍 준표" userId="102a1f0307eceb40" providerId="LiveId" clId="{F6E6A0CE-E2AA-4C3C-8181-1F6A5C724F15}" dt="2022-04-06T05:52:48.325" v="856" actId="1076"/>
+          <ac:cxnSpMkLst>
+            <pc:docMk/>
+            <pc:sldMk cId="4186656446" sldId="273"/>
+            <ac:cxnSpMk id="7" creationId="{C61C2003-63C4-4510-BFDC-7F326BDE0541}"/>
+          </ac:cxnSpMkLst>
+        </pc:cxnChg>
+        <pc:cxnChg chg="add mod">
+          <ac:chgData name="홍 준표" userId="102a1f0307eceb40" providerId="LiveId" clId="{F6E6A0CE-E2AA-4C3C-8181-1F6A5C724F15}" dt="2022-04-06T05:52:48.325" v="856" actId="1076"/>
+          <ac:cxnSpMkLst>
+            <pc:docMk/>
+            <pc:sldMk cId="4186656446" sldId="273"/>
+            <ac:cxnSpMk id="15" creationId="{57C7F8E9-14D2-46FE-AC15-AB3016AAE90D}"/>
+          </ac:cxnSpMkLst>
+        </pc:cxnChg>
+        <pc:cxnChg chg="add mod">
+          <ac:chgData name="홍 준표" userId="102a1f0307eceb40" providerId="LiveId" clId="{F6E6A0CE-E2AA-4C3C-8181-1F6A5C724F15}" dt="2022-04-06T05:52:58.118" v="859" actId="1582"/>
+          <ac:cxnSpMkLst>
+            <pc:docMk/>
+            <pc:sldMk cId="4186656446" sldId="273"/>
+            <ac:cxnSpMk id="20" creationId="{BB026F2D-76E0-433F-B1A1-FB9A182C474D}"/>
+          </ac:cxnSpMkLst>
+        </pc:cxnChg>
+      </pc:sldChg>
+      <pc:sldChg chg="modSp mod">
+        <pc:chgData name="홍 준표" userId="102a1f0307eceb40" providerId="LiveId" clId="{F6E6A0CE-E2AA-4C3C-8181-1F6A5C724F15}" dt="2022-04-06T06:11:02.441" v="1459" actId="1076"/>
+        <pc:sldMkLst>
+          <pc:docMk/>
+          <pc:sldMk cId="17678841" sldId="274"/>
+        </pc:sldMkLst>
+        <pc:spChg chg="mod">
+          <ac:chgData name="홍 준표" userId="102a1f0307eceb40" providerId="LiveId" clId="{F6E6A0CE-E2AA-4C3C-8181-1F6A5C724F15}" dt="2022-04-06T06:10:08.491" v="1364" actId="20577"/>
+          <ac:spMkLst>
+            <pc:docMk/>
+            <pc:sldMk cId="17678841" sldId="274"/>
+            <ac:spMk id="9" creationId="{00000000-0000-0000-0000-000000000000}"/>
+          </ac:spMkLst>
+        </pc:spChg>
+        <pc:spChg chg="mod">
+          <ac:chgData name="홍 준표" userId="102a1f0307eceb40" providerId="LiveId" clId="{F6E6A0CE-E2AA-4C3C-8181-1F6A5C724F15}" dt="2022-04-06T06:11:02.441" v="1459" actId="1076"/>
+          <ac:spMkLst>
+            <pc:docMk/>
+            <pc:sldMk cId="17678841" sldId="274"/>
+            <ac:spMk id="18" creationId="{00000000-0000-0000-0000-000000000000}"/>
+          </ac:spMkLst>
+        </pc:spChg>
+        <pc:spChg chg="mod">
+          <ac:chgData name="홍 준표" userId="102a1f0307eceb40" providerId="LiveId" clId="{F6E6A0CE-E2AA-4C3C-8181-1F6A5C724F15}" dt="2022-04-06T05:55:27.624" v="931" actId="20577"/>
+          <ac:spMkLst>
+            <pc:docMk/>
+            <pc:sldMk cId="17678841" sldId="274"/>
+            <ac:spMk id="24" creationId="{00000000-0000-0000-0000-000000000000}"/>
+          </ac:spMkLst>
+        </pc:spChg>
+      </pc:sldChg>
+      <pc:sldChg chg="addSp delSp modSp mod">
+        <pc:chgData name="홍 준표" userId="102a1f0307eceb40" providerId="LiveId" clId="{F6E6A0CE-E2AA-4C3C-8181-1F6A5C724F15}" dt="2022-04-06T06:11:37.140" v="1461" actId="14100"/>
+        <pc:sldMkLst>
+          <pc:docMk/>
+          <pc:sldMk cId="245658872" sldId="276"/>
+        </pc:sldMkLst>
+        <pc:spChg chg="add mod">
+          <ac:chgData name="홍 준표" userId="102a1f0307eceb40" providerId="LiveId" clId="{F6E6A0CE-E2AA-4C3C-8181-1F6A5C724F15}" dt="2022-04-06T05:59:00.786" v="972" actId="20577"/>
+          <ac:spMkLst>
+            <pc:docMk/>
+            <pc:sldMk cId="245658872" sldId="276"/>
+            <ac:spMk id="19" creationId="{98409A7E-1E1E-42D6-8E55-3D1EDF937EF9}"/>
+          </ac:spMkLst>
+        </pc:spChg>
+        <pc:spChg chg="del mod">
+          <ac:chgData name="홍 준표" userId="102a1f0307eceb40" providerId="LiveId" clId="{F6E6A0CE-E2AA-4C3C-8181-1F6A5C724F15}" dt="2022-04-06T05:58:49.307" v="939" actId="478"/>
+          <ac:spMkLst>
+            <pc:docMk/>
+            <pc:sldMk cId="245658872" sldId="276"/>
+            <ac:spMk id="20" creationId="{00000000-0000-0000-0000-000000000000}"/>
+          </ac:spMkLst>
+        </pc:spChg>
+        <pc:spChg chg="mod">
+          <ac:chgData name="홍 준표" userId="102a1f0307eceb40" providerId="LiveId" clId="{F6E6A0CE-E2AA-4C3C-8181-1F6A5C724F15}" dt="2022-04-06T06:01:52.650" v="978" actId="20577"/>
+          <ac:spMkLst>
+            <pc:docMk/>
+            <pc:sldMk cId="245658872" sldId="276"/>
+            <ac:spMk id="31" creationId="{00000000-0000-0000-0000-000000000000}"/>
+          </ac:spMkLst>
+        </pc:spChg>
+        <pc:spChg chg="mod">
+          <ac:chgData name="홍 준표" userId="102a1f0307eceb40" providerId="LiveId" clId="{F6E6A0CE-E2AA-4C3C-8181-1F6A5C724F15}" dt="2022-04-06T06:00:29.823" v="973" actId="1076"/>
+          <ac:spMkLst>
+            <pc:docMk/>
+            <pc:sldMk cId="245658872" sldId="276"/>
+            <ac:spMk id="37" creationId="{00000000-0000-0000-0000-000000000000}"/>
+          </ac:spMkLst>
+        </pc:spChg>
+        <pc:grpChg chg="add mod ord">
+          <ac:chgData name="홍 준표" userId="102a1f0307eceb40" providerId="LiveId" clId="{F6E6A0CE-E2AA-4C3C-8181-1F6A5C724F15}" dt="2022-04-06T05:58:44.069" v="937" actId="167"/>
+          <ac:grpSpMkLst>
+            <pc:docMk/>
+            <pc:sldMk cId="245658872" sldId="276"/>
+            <ac:grpSpMk id="17" creationId="{FE9BBC06-0701-49CC-B525-7B927A5757F4}"/>
+          </ac:grpSpMkLst>
+        </pc:grpChg>
+        <pc:grpChg chg="del">
+          <ac:chgData name="홍 준표" userId="102a1f0307eceb40" providerId="LiveId" clId="{F6E6A0CE-E2AA-4C3C-8181-1F6A5C724F15}" dt="2022-04-06T05:58:09.471" v="932" actId="478"/>
+          <ac:grpSpMkLst>
+            <pc:docMk/>
+            <pc:sldMk cId="245658872" sldId="276"/>
+            <ac:grpSpMk id="1001" creationId="{00000000-0000-0000-0000-000000000000}"/>
+          </ac:grpSpMkLst>
+        </pc:grpChg>
+        <pc:grpChg chg="mod">
+          <ac:chgData name="홍 준표" userId="102a1f0307eceb40" providerId="LiveId" clId="{F6E6A0CE-E2AA-4C3C-8181-1F6A5C724F15}" dt="2022-04-06T06:11:37.140" v="1461" actId="14100"/>
+          <ac:grpSpMkLst>
+            <pc:docMk/>
+            <pc:sldMk cId="245658872" sldId="276"/>
+            <ac:grpSpMk id="1005" creationId="{00000000-0000-0000-0000-000000000000}"/>
+          </ac:grpSpMkLst>
+        </pc:grpChg>
+        <pc:picChg chg="mod">
+          <ac:chgData name="홍 준표" userId="102a1f0307eceb40" providerId="LiveId" clId="{F6E6A0CE-E2AA-4C3C-8181-1F6A5C724F15}" dt="2022-04-06T05:58:37.978" v="936" actId="1076"/>
+          <ac:picMkLst>
+            <pc:docMk/>
+            <pc:sldMk cId="245658872" sldId="276"/>
+            <ac:picMk id="18" creationId="{4F735FAA-7029-4497-8F3F-3D9D4AD51F07}"/>
+          </ac:picMkLst>
+        </pc:picChg>
+      </pc:sldChg>
+      <pc:sldChg chg="delSp modSp mod">
+        <pc:chgData name="홍 준표" userId="102a1f0307eceb40" providerId="LiveId" clId="{F6E6A0CE-E2AA-4C3C-8181-1F6A5C724F15}" dt="2022-04-06T05:47:42.795" v="560" actId="20577"/>
+        <pc:sldMkLst>
+          <pc:docMk/>
+          <pc:sldMk cId="332322059" sldId="282"/>
+        </pc:sldMkLst>
+        <pc:spChg chg="mod">
+          <ac:chgData name="홍 준표" userId="102a1f0307eceb40" providerId="LiveId" clId="{F6E6A0CE-E2AA-4C3C-8181-1F6A5C724F15}" dt="2022-04-06T05:47:42.795" v="560" actId="20577"/>
+          <ac:spMkLst>
+            <pc:docMk/>
+            <pc:sldMk cId="332322059" sldId="282"/>
+            <ac:spMk id="8" creationId="{00000000-0000-0000-0000-000000000000}"/>
+          </ac:spMkLst>
+        </pc:spChg>
+        <pc:spChg chg="mod">
+          <ac:chgData name="홍 준표" userId="102a1f0307eceb40" providerId="LiveId" clId="{F6E6A0CE-E2AA-4C3C-8181-1F6A5C724F15}" dt="2022-04-06T05:47:27.266" v="551" actId="1076"/>
+          <ac:spMkLst>
+            <pc:docMk/>
+            <pc:sldMk cId="332322059" sldId="282"/>
+            <ac:spMk id="9" creationId="{00000000-0000-0000-0000-000000000000}"/>
+          </ac:spMkLst>
+        </pc:spChg>
+        <pc:grpChg chg="del">
+          <ac:chgData name="홍 준표" userId="102a1f0307eceb40" providerId="LiveId" clId="{F6E6A0CE-E2AA-4C3C-8181-1F6A5C724F15}" dt="2022-04-06T05:47:05.081" v="547" actId="478"/>
+          <ac:grpSpMkLst>
+            <pc:docMk/>
+            <pc:sldMk cId="332322059" sldId="282"/>
+            <ac:grpSpMk id="1003" creationId="{00000000-0000-0000-0000-000000000000}"/>
+          </ac:grpSpMkLst>
+        </pc:grpChg>
+      </pc:sldChg>
+      <pc:sldChg chg="delSp modSp mod">
+        <pc:chgData name="홍 준표" userId="102a1f0307eceb40" providerId="LiveId" clId="{F6E6A0CE-E2AA-4C3C-8181-1F6A5C724F15}" dt="2022-04-06T06:04:31.590" v="1023" actId="20577"/>
+        <pc:sldMkLst>
+          <pc:docMk/>
+          <pc:sldMk cId="78750301" sldId="283"/>
+        </pc:sldMkLst>
+        <pc:spChg chg="mod">
+          <ac:chgData name="홍 준표" userId="102a1f0307eceb40" providerId="LiveId" clId="{F6E6A0CE-E2AA-4C3C-8181-1F6A5C724F15}" dt="2022-04-06T06:04:31.590" v="1023" actId="20577"/>
+          <ac:spMkLst>
+            <pc:docMk/>
+            <pc:sldMk cId="78750301" sldId="283"/>
+            <ac:spMk id="9" creationId="{00000000-0000-0000-0000-000000000000}"/>
+          </ac:spMkLst>
+        </pc:spChg>
+        <pc:grpChg chg="del">
+          <ac:chgData name="홍 준표" userId="102a1f0307eceb40" providerId="LiveId" clId="{F6E6A0CE-E2AA-4C3C-8181-1F6A5C724F15}" dt="2022-04-06T05:54:38.480" v="916" actId="478"/>
+          <ac:grpSpMkLst>
+            <pc:docMk/>
+            <pc:sldMk cId="78750301" sldId="283"/>
+            <ac:grpSpMk id="12" creationId="{00000000-0000-0000-0000-000000000000}"/>
+          </ac:grpSpMkLst>
+        </pc:grpChg>
+      </pc:sldChg>
+      <pc:sldChg chg="modSp mod">
+        <pc:chgData name="홍 준표" userId="102a1f0307eceb40" providerId="LiveId" clId="{F6E6A0CE-E2AA-4C3C-8181-1F6A5C724F15}" dt="2022-04-06T06:16:25.880" v="1539" actId="1076"/>
+        <pc:sldMkLst>
+          <pc:docMk/>
+          <pc:sldMk cId="3882001749" sldId="284"/>
+        </pc:sldMkLst>
+        <pc:spChg chg="mod">
+          <ac:chgData name="홍 준표" userId="102a1f0307eceb40" providerId="LiveId" clId="{F6E6A0CE-E2AA-4C3C-8181-1F6A5C724F15}" dt="2022-04-06T06:03:34.265" v="981" actId="20577"/>
+          <ac:spMkLst>
+            <pc:docMk/>
+            <pc:sldMk cId="3882001749" sldId="284"/>
+            <ac:spMk id="32" creationId="{00000000-0000-0000-0000-000000000000}"/>
+          </ac:spMkLst>
+        </pc:spChg>
+        <pc:spChg chg="mod">
+          <ac:chgData name="홍 준표" userId="102a1f0307eceb40" providerId="LiveId" clId="{F6E6A0CE-E2AA-4C3C-8181-1F6A5C724F15}" dt="2022-04-06T06:16:05.104" v="1531" actId="14100"/>
+          <ac:spMkLst>
+            <pc:docMk/>
+            <pc:sldMk cId="3882001749" sldId="284"/>
+            <ac:spMk id="43" creationId="{00000000-0000-0000-0000-000000000000}"/>
+          </ac:spMkLst>
+        </pc:spChg>
+        <pc:spChg chg="mod">
+          <ac:chgData name="홍 준표" userId="102a1f0307eceb40" providerId="LiveId" clId="{F6E6A0CE-E2AA-4C3C-8181-1F6A5C724F15}" dt="2022-04-06T06:15:49.394" v="1526" actId="1076"/>
+          <ac:spMkLst>
+            <pc:docMk/>
+            <pc:sldMk cId="3882001749" sldId="284"/>
+            <ac:spMk id="48" creationId="{00000000-0000-0000-0000-000000000000}"/>
+          </ac:spMkLst>
+        </pc:spChg>
+        <pc:spChg chg="mod">
+          <ac:chgData name="홍 준표" userId="102a1f0307eceb40" providerId="LiveId" clId="{F6E6A0CE-E2AA-4C3C-8181-1F6A5C724F15}" dt="2022-04-06T06:16:12.773" v="1536" actId="1076"/>
+          <ac:spMkLst>
+            <pc:docMk/>
+            <pc:sldMk cId="3882001749" sldId="284"/>
+            <ac:spMk id="49" creationId="{00000000-0000-0000-0000-000000000000}"/>
+          </ac:spMkLst>
+        </pc:spChg>
+        <pc:spChg chg="mod">
+          <ac:chgData name="홍 준표" userId="102a1f0307eceb40" providerId="LiveId" clId="{F6E6A0CE-E2AA-4C3C-8181-1F6A5C724F15}" dt="2022-04-06T06:16:25.880" v="1539" actId="1076"/>
+          <ac:spMkLst>
+            <pc:docMk/>
+            <pc:sldMk cId="3882001749" sldId="284"/>
+            <ac:spMk id="50" creationId="{00000000-0000-0000-0000-000000000000}"/>
+          </ac:spMkLst>
+        </pc:spChg>
+        <pc:spChg chg="mod">
+          <ac:chgData name="홍 준표" userId="102a1f0307eceb40" providerId="LiveId" clId="{F6E6A0CE-E2AA-4C3C-8181-1F6A5C724F15}" dt="2022-04-06T06:15:42.879" v="1524" actId="1076"/>
+          <ac:spMkLst>
+            <pc:docMk/>
+            <pc:sldMk cId="3882001749" sldId="284"/>
+            <ac:spMk id="51" creationId="{00000000-0000-0000-0000-000000000000}"/>
+          </ac:spMkLst>
+        </pc:spChg>
+        <pc:grpChg chg="mod">
+          <ac:chgData name="홍 준표" userId="102a1f0307eceb40" providerId="LiveId" clId="{F6E6A0CE-E2AA-4C3C-8181-1F6A5C724F15}" dt="2022-04-06T06:16:12.773" v="1536" actId="1076"/>
+          <ac:grpSpMkLst>
+            <pc:docMk/>
+            <pc:sldMk cId="3882001749" sldId="284"/>
+            <ac:grpSpMk id="30" creationId="{00000000-0000-0000-0000-000000000000}"/>
+          </ac:grpSpMkLst>
+        </pc:grpChg>
+        <pc:grpChg chg="mod">
+          <ac:chgData name="홍 준표" userId="102a1f0307eceb40" providerId="LiveId" clId="{F6E6A0CE-E2AA-4C3C-8181-1F6A5C724F15}" dt="2022-04-06T06:13:52.915" v="1518" actId="14100"/>
+          <ac:grpSpMkLst>
+            <pc:docMk/>
+            <pc:sldMk cId="3882001749" sldId="284"/>
+            <ac:grpSpMk id="41" creationId="{00000000-0000-0000-0000-000000000000}"/>
+          </ac:grpSpMkLst>
+        </pc:grpChg>
+        <pc:grpChg chg="mod">
+          <ac:chgData name="홍 준표" userId="102a1f0307eceb40" providerId="LiveId" clId="{F6E6A0CE-E2AA-4C3C-8181-1F6A5C724F15}" dt="2022-04-06T06:16:19.161" v="1538" actId="1076"/>
+          <ac:grpSpMkLst>
+            <pc:docMk/>
+            <pc:sldMk cId="3882001749" sldId="284"/>
+            <ac:grpSpMk id="1001" creationId="{00000000-0000-0000-0000-000000000000}"/>
+          </ac:grpSpMkLst>
+        </pc:grpChg>
+        <pc:picChg chg="mod">
+          <ac:chgData name="홍 준표" userId="102a1f0307eceb40" providerId="LiveId" clId="{F6E6A0CE-E2AA-4C3C-8181-1F6A5C724F15}" dt="2022-04-06T06:16:12.773" v="1536" actId="1076"/>
+          <ac:picMkLst>
+            <pc:docMk/>
+            <pc:sldMk cId="3882001749" sldId="284"/>
+            <ac:picMk id="31" creationId="{00000000-0000-0000-0000-000000000000}"/>
+          </ac:picMkLst>
+        </pc:picChg>
+        <pc:picChg chg="mod">
+          <ac:chgData name="홍 준표" userId="102a1f0307eceb40" providerId="LiveId" clId="{F6E6A0CE-E2AA-4C3C-8181-1F6A5C724F15}" dt="2022-04-06T06:16:18.101" v="1537" actId="14100"/>
+          <ac:picMkLst>
+            <pc:docMk/>
+            <pc:sldMk cId="3882001749" sldId="284"/>
+            <ac:picMk id="54" creationId="{00000000-0000-0000-0000-000000000000}"/>
+          </ac:picMkLst>
+        </pc:picChg>
+        <pc:picChg chg="mod">
+          <ac:chgData name="홍 준표" userId="102a1f0307eceb40" providerId="LiveId" clId="{F6E6A0CE-E2AA-4C3C-8181-1F6A5C724F15}" dt="2022-04-06T06:15:40.514" v="1523" actId="1076"/>
+          <ac:picMkLst>
+            <pc:docMk/>
+            <pc:sldMk cId="3882001749" sldId="284"/>
+            <ac:picMk id="6146" creationId="{00000000-0000-0000-0000-000000000000}"/>
+          </ac:picMkLst>
+        </pc:picChg>
+      </pc:sldChg>
+      <pc:sldChg chg="modSp mod">
+        <pc:chgData name="홍 준표" userId="102a1f0307eceb40" providerId="LiveId" clId="{F6E6A0CE-E2AA-4C3C-8181-1F6A5C724F15}" dt="2022-04-08T06:42:59.586" v="1707" actId="14100"/>
+        <pc:sldMkLst>
+          <pc:docMk/>
+          <pc:sldMk cId="960460631" sldId="289"/>
+        </pc:sldMkLst>
+        <pc:graphicFrameChg chg="mod modGraphic">
+          <ac:chgData name="홍 준표" userId="102a1f0307eceb40" providerId="LiveId" clId="{F6E6A0CE-E2AA-4C3C-8181-1F6A5C724F15}" dt="2022-04-08T06:42:59.586" v="1707" actId="14100"/>
+          <ac:graphicFrameMkLst>
+            <pc:docMk/>
+            <pc:sldMk cId="960460631" sldId="289"/>
+            <ac:graphicFrameMk id="2" creationId="{6CFD0E96-FDC2-4027-A668-E3175AA1ED45}"/>
+          </ac:graphicFrameMkLst>
+        </pc:graphicFrameChg>
+      </pc:sldChg>
+    </pc:docChg>
+  </pc:docChgLst>
 </pc:chgInfo>
 </file>
 
@@ -1200,7 +1202,7 @@
           <a:p>
             <a:fld id="{009FC290-DF4C-4460-99A7-1765B45BCA0A}" type="datetimeFigureOut">
               <a:rPr lang="ko-KR" altLang="en-US" smtClean="0"/>
-              <a:t>2022-04-08</a:t>
+              <a:t>2022-05-12</a:t>
             </a:fld>
             <a:endParaRPr lang="ko-KR" altLang="en-US" dirty="0"/>
           </a:p>
@@ -1814,7 +1816,7 @@
           <a:p>
             <a:fld id="{F8166F1F-CE9B-4651-A6AA-CD717754106B}" type="datetimeFigureOut">
               <a:rPr lang="en-US" smtClean="0"/>
-              <a:t>4/8/2022</a:t>
+              <a:t>5/12/2022</a:t>
             </a:fld>
             <a:endParaRPr lang="en-US" dirty="0"/>
           </a:p>
@@ -1977,7 +1979,7 @@
           <a:p>
             <a:fld id="{A76116CE-C4A3-4A05-B2D7-7C2E9A889C0F}" type="datetimeFigureOut">
               <a:rPr lang="en-US" smtClean="0"/>
-              <a:t>4/8/2022</a:t>
+              <a:t>5/12/2022</a:t>
             </a:fld>
             <a:endParaRPr lang="en-US" dirty="0"/>
           </a:p>
@@ -2150,7 +2152,7 @@
           <a:p>
             <a:fld id="{A76116CE-C4A3-4A05-B2D7-7C2E9A889C0F}" type="datetimeFigureOut">
               <a:rPr lang="en-US" smtClean="0"/>
-              <a:t>4/8/2022</a:t>
+              <a:t>5/12/2022</a:t>
             </a:fld>
             <a:endParaRPr lang="en-US" dirty="0"/>
           </a:p>
@@ -2315,7 +2317,7 @@
           <a:p>
             <a:fld id="{A76116CE-C4A3-4A05-B2D7-7C2E9A889C0F}" type="datetimeFigureOut">
               <a:rPr lang="en-US" smtClean="0"/>
-              <a:t>4/8/2022</a:t>
+              <a:t>5/12/2022</a:t>
             </a:fld>
             <a:endParaRPr lang="en-US" dirty="0"/>
           </a:p>
@@ -2555,7 +2557,7 @@
           <a:p>
             <a:fld id="{A76116CE-C4A3-4A05-B2D7-7C2E9A889C0F}" type="datetimeFigureOut">
               <a:rPr lang="en-US" smtClean="0"/>
-              <a:t>4/8/2022</a:t>
+              <a:t>5/12/2022</a:t>
             </a:fld>
             <a:endParaRPr lang="en-US" dirty="0"/>
           </a:p>
@@ -2835,7 +2837,7 @@
           <a:p>
             <a:fld id="{A76116CE-C4A3-4A05-B2D7-7C2E9A889C0F}" type="datetimeFigureOut">
               <a:rPr lang="en-US" smtClean="0"/>
-              <a:t>4/8/2022</a:t>
+              <a:t>5/12/2022</a:t>
             </a:fld>
             <a:endParaRPr lang="en-US" dirty="0"/>
           </a:p>
@@ -3249,7 +3251,7 @@
           <a:p>
             <a:fld id="{A76116CE-C4A3-4A05-B2D7-7C2E9A889C0F}" type="datetimeFigureOut">
               <a:rPr lang="en-US" smtClean="0"/>
-              <a:t>4/8/2022</a:t>
+              <a:t>5/12/2022</a:t>
             </a:fld>
             <a:endParaRPr lang="en-US" dirty="0"/>
           </a:p>
@@ -3361,7 +3363,7 @@
           <a:p>
             <a:fld id="{A76116CE-C4A3-4A05-B2D7-7C2E9A889C0F}" type="datetimeFigureOut">
               <a:rPr lang="en-US" smtClean="0"/>
-              <a:t>4/8/2022</a:t>
+              <a:t>5/12/2022</a:t>
             </a:fld>
             <a:endParaRPr lang="en-US" dirty="0"/>
           </a:p>
@@ -3451,7 +3453,7 @@
           <a:p>
             <a:fld id="{A76116CE-C4A3-4A05-B2D7-7C2E9A889C0F}" type="datetimeFigureOut">
               <a:rPr lang="en-US" smtClean="0"/>
-              <a:t>4/8/2022</a:t>
+              <a:t>5/12/2022</a:t>
             </a:fld>
             <a:endParaRPr lang="en-US" dirty="0"/>
           </a:p>
@@ -3721,7 +3723,7 @@
           <a:p>
             <a:fld id="{A76116CE-C4A3-4A05-B2D7-7C2E9A889C0F}" type="datetimeFigureOut">
               <a:rPr lang="en-US" smtClean="0"/>
-              <a:t>4/8/2022</a:t>
+              <a:t>5/12/2022</a:t>
             </a:fld>
             <a:endParaRPr lang="en-US" dirty="0"/>
           </a:p>
@@ -3968,7 +3970,7 @@
           <a:p>
             <a:fld id="{A76116CE-C4A3-4A05-B2D7-7C2E9A889C0F}" type="datetimeFigureOut">
               <a:rPr lang="en-US" smtClean="0"/>
-              <a:t>4/8/2022</a:t>
+              <a:t>5/12/2022</a:t>
             </a:fld>
             <a:endParaRPr lang="en-US" dirty="0"/>
           </a:p>
@@ -4174,7 +4176,7 @@
           <a:p>
             <a:fld id="{F8166F1F-CE9B-4651-A6AA-CD717754106B}" type="datetimeFigureOut">
               <a:rPr lang="en-US" smtClean="0"/>
-              <a:t>4/8/2022</a:t>
+              <a:t>5/12/2022</a:t>
             </a:fld>
             <a:endParaRPr lang="en-US" dirty="0"/>
           </a:p>
@@ -8273,7 +8275,7 @@
         </p:nvGrpSpPr>
         <p:grpSpPr>
           <a:xfrm>
-            <a:off x="0" y="0"/>
+            <a:off x="0" y="-14288"/>
             <a:ext cx="18285714" cy="10285714"/>
             <a:chOff x="0" y="0"/>
             <a:chExt cx="18285714" cy="10285714"/>
@@ -8598,8 +8600,8 @@
         </p:blipFill>
         <p:spPr bwMode="auto">
           <a:xfrm>
-            <a:off x="5298948" y="5411236"/>
-            <a:ext cx="7687818" cy="3843909"/>
+            <a:off x="635521" y="5495917"/>
+            <a:ext cx="7239000" cy="3843909"/>
           </a:xfrm>
           <a:prstGeom prst="rect">
             <a:avLst/>
@@ -19676,6 +19678,908 @@
 
 <file path=ppt/slides/slide22.xml><?xml version="1.0" encoding="utf-8"?>
 <p:sld xmlns:a="http://schemas.openxmlformats.org/drawingml/2006/main" xmlns:r="http://schemas.openxmlformats.org/officeDocument/2006/relationships" xmlns:p="http://schemas.openxmlformats.org/presentationml/2006/main">
+  <p:cSld>
+    <p:spTree>
+      <p:nvGrpSpPr>
+        <p:cNvPr id="1" name=""/>
+        <p:cNvGrpSpPr/>
+        <p:nvPr/>
+      </p:nvGrpSpPr>
+      <p:grpSpPr>
+        <a:xfrm>
+          <a:off x="0" y="0"/>
+          <a:ext cx="0" cy="0"/>
+          <a:chOff x="0" y="0"/>
+          <a:chExt cx="0" cy="0"/>
+        </a:xfrm>
+      </p:grpSpPr>
+      <p:grpSp>
+        <p:nvGrpSpPr>
+          <p:cNvPr id="1001" name="그룹 1001"/>
+          <p:cNvGrpSpPr/>
+          <p:nvPr/>
+        </p:nvGrpSpPr>
+        <p:grpSpPr>
+          <a:xfrm>
+            <a:off x="0" y="0"/>
+            <a:ext cx="18285714" cy="10285714"/>
+            <a:chOff x="0" y="0"/>
+            <a:chExt cx="18285714" cy="10285714"/>
+          </a:xfrm>
+        </p:grpSpPr>
+        <p:pic>
+          <p:nvPicPr>
+            <p:cNvPr id="3" name="Object 2"/>
+            <p:cNvPicPr>
+              <a:picLocks noChangeAspect="1"/>
+            </p:cNvPicPr>
+            <p:nvPr/>
+          </p:nvPicPr>
+          <p:blipFill>
+            <a:blip r:embed="rId2" cstate="print"/>
+            <a:stretch>
+              <a:fillRect/>
+            </a:stretch>
+          </p:blipFill>
+          <p:spPr>
+            <a:xfrm>
+              <a:off x="0" y="0"/>
+              <a:ext cx="18285714" cy="10285714"/>
+            </a:xfrm>
+            <a:prstGeom prst="rect">
+              <a:avLst/>
+            </a:prstGeom>
+          </p:spPr>
+        </p:pic>
+      </p:grpSp>
+      <p:sp>
+        <p:nvSpPr>
+          <p:cNvPr id="5" name="Object 5"/>
+          <p:cNvSpPr txBox="1"/>
+          <p:nvPr/>
+        </p:nvSpPr>
+        <p:spPr>
+          <a:xfrm>
+            <a:off x="28571" y="2650185"/>
+            <a:ext cx="18228571" cy="4524315"/>
+          </a:xfrm>
+          <a:prstGeom prst="rect">
+            <a:avLst/>
+          </a:prstGeom>
+          <a:noFill/>
+        </p:spPr>
+        <p:txBody>
+          <a:bodyPr wrap="square" rtlCol="0" anchor="ctr">
+            <a:spAutoFit/>
+          </a:bodyPr>
+          <a:lstStyle/>
+          <a:p>
+            <a:pPr algn="ctr"/>
+            <a:r>
+              <a:rPr lang="en-US" sz="14400" b="1" dirty="0">
+                <a:solidFill>
+                  <a:srgbClr val="FFFFFF"/>
+                </a:solidFill>
+                <a:latin typeface="DungGeunMo" pitchFamily="34" charset="0"/>
+                <a:cs typeface="DungGeunMo" pitchFamily="34" charset="0"/>
+              </a:rPr>
+              <a:t>06</a:t>
+            </a:r>
+          </a:p>
+          <a:p>
+            <a:pPr algn="ctr"/>
+            <a:r>
+              <a:rPr lang="ko-KR" altLang="en-US" sz="14400" b="1" dirty="0">
+                <a:solidFill>
+                  <a:srgbClr val="FFFFFF"/>
+                </a:solidFill>
+                <a:latin typeface="DungGeunMo" pitchFamily="34" charset="0"/>
+              </a:rPr>
+              <a:t>개발 진행 현황</a:t>
+            </a:r>
+            <a:endParaRPr lang="en-US" dirty="0"/>
+          </a:p>
+        </p:txBody>
+      </p:sp>
+      <p:grpSp>
+        <p:nvGrpSpPr>
+          <p:cNvPr id="1002" name="그룹 1002"/>
+          <p:cNvGrpSpPr/>
+          <p:nvPr/>
+        </p:nvGrpSpPr>
+        <p:grpSpPr>
+          <a:xfrm>
+            <a:off x="3066667" y="2658858"/>
+            <a:ext cx="1142857" cy="1142857"/>
+            <a:chOff x="3066667" y="2658858"/>
+            <a:chExt cx="1142857" cy="1142857"/>
+          </a:xfrm>
+        </p:grpSpPr>
+        <p:pic>
+          <p:nvPicPr>
+            <p:cNvPr id="7" name="Object 6"/>
+            <p:cNvPicPr>
+              <a:picLocks noChangeAspect="1"/>
+            </p:cNvPicPr>
+            <p:nvPr/>
+          </p:nvPicPr>
+          <p:blipFill>
+            <a:blip r:embed="rId3" cstate="print"/>
+            <a:stretch>
+              <a:fillRect/>
+            </a:stretch>
+          </p:blipFill>
+          <p:spPr>
+            <a:xfrm>
+              <a:off x="3066667" y="2658858"/>
+              <a:ext cx="1142857" cy="1142857"/>
+            </a:xfrm>
+            <a:prstGeom prst="rect">
+              <a:avLst/>
+            </a:prstGeom>
+          </p:spPr>
+        </p:pic>
+      </p:grpSp>
+      <p:grpSp>
+        <p:nvGrpSpPr>
+          <p:cNvPr id="1003" name="그룹 1003"/>
+          <p:cNvGrpSpPr/>
+          <p:nvPr/>
+        </p:nvGrpSpPr>
+        <p:grpSpPr>
+          <a:xfrm>
+            <a:off x="14628571" y="5001716"/>
+            <a:ext cx="2342857" cy="1447619"/>
+            <a:chOff x="14628571" y="5001716"/>
+            <a:chExt cx="2342857" cy="1447619"/>
+          </a:xfrm>
+        </p:grpSpPr>
+        <p:grpSp>
+          <p:nvGrpSpPr>
+            <p:cNvPr id="1004" name="그룹 1004"/>
+            <p:cNvGrpSpPr/>
+            <p:nvPr/>
+          </p:nvGrpSpPr>
+          <p:grpSpPr>
+            <a:xfrm>
+              <a:off x="14628571" y="5001716"/>
+              <a:ext cx="876190" cy="876190"/>
+              <a:chOff x="14628571" y="5001716"/>
+              <a:chExt cx="876190" cy="876190"/>
+            </a:xfrm>
+          </p:grpSpPr>
+          <p:pic>
+            <p:nvPicPr>
+              <p:cNvPr id="11" name="Object 10"/>
+              <p:cNvPicPr>
+                <a:picLocks noChangeAspect="1"/>
+              </p:cNvPicPr>
+              <p:nvPr/>
+            </p:nvPicPr>
+            <p:blipFill>
+              <a:blip r:embed="rId4" cstate="print"/>
+              <a:stretch>
+                <a:fillRect/>
+              </a:stretch>
+            </p:blipFill>
+            <p:spPr>
+              <a:xfrm>
+                <a:off x="14628571" y="5001716"/>
+                <a:ext cx="876190" cy="876190"/>
+              </a:xfrm>
+              <a:prstGeom prst="rect">
+                <a:avLst/>
+              </a:prstGeom>
+            </p:spPr>
+          </p:pic>
+        </p:grpSp>
+        <p:grpSp>
+          <p:nvGrpSpPr>
+            <p:cNvPr id="1005" name="그룹 1005"/>
+            <p:cNvGrpSpPr/>
+            <p:nvPr/>
+          </p:nvGrpSpPr>
+          <p:grpSpPr>
+            <a:xfrm>
+              <a:off x="15828571" y="5306477"/>
+              <a:ext cx="1142857" cy="1142857"/>
+              <a:chOff x="15828571" y="5306477"/>
+              <a:chExt cx="1142857" cy="1142857"/>
+            </a:xfrm>
+          </p:grpSpPr>
+          <p:pic>
+            <p:nvPicPr>
+              <p:cNvPr id="14" name="Object 13"/>
+              <p:cNvPicPr>
+                <a:picLocks noChangeAspect="1"/>
+              </p:cNvPicPr>
+              <p:nvPr/>
+            </p:nvPicPr>
+            <p:blipFill>
+              <a:blip r:embed="rId3" cstate="print"/>
+              <a:stretch>
+                <a:fillRect/>
+              </a:stretch>
+            </p:blipFill>
+            <p:spPr>
+              <a:xfrm>
+                <a:off x="15828571" y="5306477"/>
+                <a:ext cx="1142857" cy="1142857"/>
+              </a:xfrm>
+              <a:prstGeom prst="rect">
+                <a:avLst/>
+              </a:prstGeom>
+            </p:spPr>
+          </p:pic>
+        </p:grpSp>
+        <p:grpSp>
+          <p:nvGrpSpPr>
+            <p:cNvPr id="1006" name="그룹 1006"/>
+            <p:cNvGrpSpPr/>
+            <p:nvPr/>
+          </p:nvGrpSpPr>
+          <p:grpSpPr>
+            <a:xfrm>
+              <a:off x="14628571" y="5001716"/>
+              <a:ext cx="876190" cy="876190"/>
+              <a:chOff x="14628571" y="5001716"/>
+              <a:chExt cx="876190" cy="876190"/>
+            </a:xfrm>
+          </p:grpSpPr>
+          <p:pic>
+            <p:nvPicPr>
+              <p:cNvPr id="17" name="Object 16"/>
+              <p:cNvPicPr>
+                <a:picLocks noChangeAspect="1"/>
+              </p:cNvPicPr>
+              <p:nvPr/>
+            </p:nvPicPr>
+            <p:blipFill>
+              <a:blip r:embed="rId4" cstate="print"/>
+              <a:stretch>
+                <a:fillRect/>
+              </a:stretch>
+            </p:blipFill>
+            <p:spPr>
+              <a:xfrm>
+                <a:off x="14628571" y="5001716"/>
+                <a:ext cx="876190" cy="876190"/>
+              </a:xfrm>
+              <a:prstGeom prst="rect">
+                <a:avLst/>
+              </a:prstGeom>
+            </p:spPr>
+          </p:pic>
+        </p:grpSp>
+      </p:grpSp>
+    </p:spTree>
+    <p:extLst>
+      <p:ext uri="{BB962C8B-B14F-4D97-AF65-F5344CB8AC3E}">
+        <p14:creationId xmlns:p14="http://schemas.microsoft.com/office/powerpoint/2010/main" val="643375080"/>
+      </p:ext>
+    </p:extLst>
+  </p:cSld>
+  <p:clrMapOvr>
+    <a:masterClrMapping/>
+  </p:clrMapOvr>
+</p:sld>
+</file>
+
+<file path=ppt/slides/slide23.xml><?xml version="1.0" encoding="utf-8"?>
+<p:sld xmlns:a="http://schemas.openxmlformats.org/drawingml/2006/main" xmlns:r="http://schemas.openxmlformats.org/officeDocument/2006/relationships" xmlns:p="http://schemas.openxmlformats.org/presentationml/2006/main">
+  <p:cSld>
+    <p:spTree>
+      <p:nvGrpSpPr>
+        <p:cNvPr id="1" name=""/>
+        <p:cNvGrpSpPr/>
+        <p:nvPr/>
+      </p:nvGrpSpPr>
+      <p:grpSpPr>
+        <a:xfrm>
+          <a:off x="0" y="0"/>
+          <a:ext cx="0" cy="0"/>
+          <a:chOff x="0" y="0"/>
+          <a:chExt cx="0" cy="0"/>
+        </a:xfrm>
+      </p:grpSpPr>
+      <p:grpSp>
+        <p:nvGrpSpPr>
+          <p:cNvPr id="1001" name="그룹 1001"/>
+          <p:cNvGrpSpPr/>
+          <p:nvPr/>
+        </p:nvGrpSpPr>
+        <p:grpSpPr>
+          <a:xfrm>
+            <a:off x="0" y="0"/>
+            <a:ext cx="18285714" cy="10285714"/>
+            <a:chOff x="0" y="0"/>
+            <a:chExt cx="18285714" cy="10285714"/>
+          </a:xfrm>
+        </p:grpSpPr>
+        <p:pic>
+          <p:nvPicPr>
+            <p:cNvPr id="3" name="Object 2"/>
+            <p:cNvPicPr>
+              <a:picLocks noChangeAspect="1"/>
+            </p:cNvPicPr>
+            <p:nvPr/>
+          </p:nvPicPr>
+          <p:blipFill>
+            <a:blip r:embed="rId2" cstate="print"/>
+            <a:stretch>
+              <a:fillRect/>
+            </a:stretch>
+          </p:blipFill>
+          <p:spPr>
+            <a:xfrm>
+              <a:off x="0" y="0"/>
+              <a:ext cx="18285714" cy="10285714"/>
+            </a:xfrm>
+            <a:prstGeom prst="rect">
+              <a:avLst/>
+            </a:prstGeom>
+          </p:spPr>
+        </p:pic>
+      </p:grpSp>
+      <p:grpSp>
+        <p:nvGrpSpPr>
+          <p:cNvPr id="1002" name="그룹 1002"/>
+          <p:cNvGrpSpPr/>
+          <p:nvPr/>
+        </p:nvGrpSpPr>
+        <p:grpSpPr>
+          <a:xfrm>
+            <a:off x="3066667" y="2658858"/>
+            <a:ext cx="1142857" cy="1142857"/>
+            <a:chOff x="3066667" y="2658858"/>
+            <a:chExt cx="1142857" cy="1142857"/>
+          </a:xfrm>
+        </p:grpSpPr>
+        <p:pic>
+          <p:nvPicPr>
+            <p:cNvPr id="7" name="Object 6"/>
+            <p:cNvPicPr>
+              <a:picLocks noChangeAspect="1"/>
+            </p:cNvPicPr>
+            <p:nvPr/>
+          </p:nvPicPr>
+          <p:blipFill>
+            <a:blip r:embed="rId3" cstate="print"/>
+            <a:stretch>
+              <a:fillRect/>
+            </a:stretch>
+          </p:blipFill>
+          <p:spPr>
+            <a:xfrm>
+              <a:off x="3066667" y="2658858"/>
+              <a:ext cx="1142857" cy="1142857"/>
+            </a:xfrm>
+            <a:prstGeom prst="rect">
+              <a:avLst/>
+            </a:prstGeom>
+          </p:spPr>
+        </p:pic>
+      </p:grpSp>
+      <p:grpSp>
+        <p:nvGrpSpPr>
+          <p:cNvPr id="1003" name="그룹 1003"/>
+          <p:cNvGrpSpPr/>
+          <p:nvPr/>
+        </p:nvGrpSpPr>
+        <p:grpSpPr>
+          <a:xfrm>
+            <a:off x="14628571" y="5001716"/>
+            <a:ext cx="2342857" cy="1447619"/>
+            <a:chOff x="14628571" y="5001716"/>
+            <a:chExt cx="2342857" cy="1447619"/>
+          </a:xfrm>
+        </p:grpSpPr>
+        <p:grpSp>
+          <p:nvGrpSpPr>
+            <p:cNvPr id="1004" name="그룹 1004"/>
+            <p:cNvGrpSpPr/>
+            <p:nvPr/>
+          </p:nvGrpSpPr>
+          <p:grpSpPr>
+            <a:xfrm>
+              <a:off x="14628571" y="5001716"/>
+              <a:ext cx="876190" cy="876190"/>
+              <a:chOff x="14628571" y="5001716"/>
+              <a:chExt cx="876190" cy="876190"/>
+            </a:xfrm>
+          </p:grpSpPr>
+          <p:pic>
+            <p:nvPicPr>
+              <p:cNvPr id="11" name="Object 10"/>
+              <p:cNvPicPr>
+                <a:picLocks noChangeAspect="1"/>
+              </p:cNvPicPr>
+              <p:nvPr/>
+            </p:nvPicPr>
+            <p:blipFill>
+              <a:blip r:embed="rId4" cstate="print"/>
+              <a:stretch>
+                <a:fillRect/>
+              </a:stretch>
+            </p:blipFill>
+            <p:spPr>
+              <a:xfrm>
+                <a:off x="14628571" y="5001716"/>
+                <a:ext cx="876190" cy="876190"/>
+              </a:xfrm>
+              <a:prstGeom prst="rect">
+                <a:avLst/>
+              </a:prstGeom>
+            </p:spPr>
+          </p:pic>
+        </p:grpSp>
+        <p:grpSp>
+          <p:nvGrpSpPr>
+            <p:cNvPr id="1005" name="그룹 1005"/>
+            <p:cNvGrpSpPr/>
+            <p:nvPr/>
+          </p:nvGrpSpPr>
+          <p:grpSpPr>
+            <a:xfrm>
+              <a:off x="15828571" y="5306477"/>
+              <a:ext cx="1142857" cy="1142857"/>
+              <a:chOff x="15828571" y="5306477"/>
+              <a:chExt cx="1142857" cy="1142857"/>
+            </a:xfrm>
+          </p:grpSpPr>
+          <p:pic>
+            <p:nvPicPr>
+              <p:cNvPr id="14" name="Object 13"/>
+              <p:cNvPicPr>
+                <a:picLocks noChangeAspect="1"/>
+              </p:cNvPicPr>
+              <p:nvPr/>
+            </p:nvPicPr>
+            <p:blipFill>
+              <a:blip r:embed="rId3" cstate="print"/>
+              <a:stretch>
+                <a:fillRect/>
+              </a:stretch>
+            </p:blipFill>
+            <p:spPr>
+              <a:xfrm>
+                <a:off x="15828571" y="5306477"/>
+                <a:ext cx="1142857" cy="1142857"/>
+              </a:xfrm>
+              <a:prstGeom prst="rect">
+                <a:avLst/>
+              </a:prstGeom>
+            </p:spPr>
+          </p:pic>
+        </p:grpSp>
+        <p:grpSp>
+          <p:nvGrpSpPr>
+            <p:cNvPr id="1006" name="그룹 1006"/>
+            <p:cNvGrpSpPr/>
+            <p:nvPr/>
+          </p:nvGrpSpPr>
+          <p:grpSpPr>
+            <a:xfrm>
+              <a:off x="14628571" y="5001716"/>
+              <a:ext cx="876190" cy="876190"/>
+              <a:chOff x="14628571" y="5001716"/>
+              <a:chExt cx="876190" cy="876190"/>
+            </a:xfrm>
+          </p:grpSpPr>
+          <p:pic>
+            <p:nvPicPr>
+              <p:cNvPr id="17" name="Object 16"/>
+              <p:cNvPicPr>
+                <a:picLocks noChangeAspect="1"/>
+              </p:cNvPicPr>
+              <p:nvPr/>
+            </p:nvPicPr>
+            <p:blipFill>
+              <a:blip r:embed="rId4" cstate="print"/>
+              <a:stretch>
+                <a:fillRect/>
+              </a:stretch>
+            </p:blipFill>
+            <p:spPr>
+              <a:xfrm>
+                <a:off x="14628571" y="5001716"/>
+                <a:ext cx="876190" cy="876190"/>
+              </a:xfrm>
+              <a:prstGeom prst="rect">
+                <a:avLst/>
+              </a:prstGeom>
+            </p:spPr>
+          </p:pic>
+        </p:grpSp>
+      </p:grpSp>
+      <p:sp>
+        <p:nvSpPr>
+          <p:cNvPr id="6" name="직사각형 5">
+            <a:extLst>
+              <a:ext uri="{FF2B5EF4-FFF2-40B4-BE49-F238E27FC236}">
+                <a16:creationId xmlns:a16="http://schemas.microsoft.com/office/drawing/2014/main" id="{7BD400F1-3DD4-9657-13BC-60CB7874A0E8}"/>
+              </a:ext>
+            </a:extLst>
+          </p:cNvPr>
+          <p:cNvSpPr/>
+          <p:nvPr/>
+        </p:nvSpPr>
+        <p:spPr>
+          <a:xfrm>
+            <a:off x="9518593" y="1525166"/>
+            <a:ext cx="8610600" cy="6953100"/>
+          </a:xfrm>
+          <a:prstGeom prst="rect">
+            <a:avLst/>
+          </a:prstGeom>
+          <a:solidFill>
+            <a:schemeClr val="accent6">
+              <a:lumMod val="20000"/>
+              <a:lumOff val="80000"/>
+            </a:schemeClr>
+          </a:solidFill>
+        </p:spPr>
+        <p:style>
+          <a:lnRef idx="2">
+            <a:schemeClr val="accent1">
+              <a:shade val="50000"/>
+            </a:schemeClr>
+          </a:lnRef>
+          <a:fillRef idx="1">
+            <a:schemeClr val="accent1"/>
+          </a:fillRef>
+          <a:effectRef idx="0">
+            <a:schemeClr val="accent1"/>
+          </a:effectRef>
+          <a:fontRef idx="minor">
+            <a:schemeClr val="lt1"/>
+          </a:fontRef>
+        </p:style>
+        <p:txBody>
+          <a:bodyPr rtlCol="0" anchor="ctr"/>
+          <a:lstStyle/>
+          <a:p>
+            <a:pPr algn="ctr"/>
+            <a:r>
+              <a:rPr lang="en-US" altLang="ko-KR" sz="3000" b="1" i="0" dirty="0" err="1">
+                <a:solidFill>
+                  <a:srgbClr val="C00000"/>
+                </a:solidFill>
+                <a:effectLst/>
+                <a:latin typeface="Whitney"/>
+              </a:rPr>
+              <a:t>MonoSingleton</a:t>
+            </a:r>
+            <a:r>
+              <a:rPr lang="en-US" altLang="ko-KR" sz="3000" b="1" i="0" dirty="0">
+                <a:solidFill>
+                  <a:srgbClr val="C00000"/>
+                </a:solidFill>
+                <a:effectLst/>
+                <a:latin typeface="Whitney"/>
+              </a:rPr>
+              <a:t>  </a:t>
+            </a:r>
+            <a:br>
+              <a:rPr lang="en-US" altLang="ko-KR" sz="3000" b="1" i="0" dirty="0">
+                <a:solidFill>
+                  <a:schemeClr val="bg1"/>
+                </a:solidFill>
+                <a:effectLst/>
+                <a:latin typeface="Whitney"/>
+              </a:rPr>
+            </a:br>
+            <a:r>
+              <a:rPr lang="ko-KR" altLang="en-US" sz="3000" b="1" i="0" dirty="0" err="1">
+                <a:solidFill>
+                  <a:schemeClr val="tx1"/>
+                </a:solidFill>
+                <a:effectLst/>
+                <a:latin typeface="Whitney"/>
+              </a:rPr>
+              <a:t>싱글톤</a:t>
+            </a:r>
+            <a:r>
+              <a:rPr lang="ko-KR" altLang="en-US" sz="3000" b="1" i="0" dirty="0">
+                <a:solidFill>
+                  <a:schemeClr val="tx1"/>
+                </a:solidFill>
+                <a:effectLst/>
+                <a:latin typeface="Whitney"/>
+              </a:rPr>
+              <a:t> 패턴이 필요한 클래스를 위한 </a:t>
+            </a:r>
+            <a:r>
+              <a:rPr lang="ko-KR" altLang="en-US" sz="3000" b="1" i="0" dirty="0" err="1">
+                <a:solidFill>
+                  <a:schemeClr val="tx1"/>
+                </a:solidFill>
+                <a:effectLst/>
+                <a:latin typeface="Whitney"/>
+              </a:rPr>
+              <a:t>제너릭</a:t>
+            </a:r>
+            <a:r>
+              <a:rPr lang="ko-KR" altLang="en-US" sz="3000" b="1" i="0" dirty="0">
+                <a:solidFill>
+                  <a:schemeClr val="tx1"/>
+                </a:solidFill>
+                <a:effectLst/>
+                <a:latin typeface="Whitney"/>
+              </a:rPr>
+              <a:t> 클래스</a:t>
+            </a:r>
+            <a:endParaRPr lang="en-US" altLang="ko-KR" sz="3000" b="1" i="0" dirty="0">
+              <a:solidFill>
+                <a:schemeClr val="tx1"/>
+              </a:solidFill>
+              <a:effectLst/>
+              <a:latin typeface="Whitney"/>
+            </a:endParaRPr>
+          </a:p>
+          <a:p>
+            <a:pPr algn="ctr"/>
+            <a:br>
+              <a:rPr lang="en-US" altLang="ko-KR" sz="3000" b="1" i="0" dirty="0">
+                <a:solidFill>
+                  <a:schemeClr val="bg1"/>
+                </a:solidFill>
+                <a:effectLst/>
+                <a:latin typeface="Whitney"/>
+              </a:rPr>
+            </a:br>
+            <a:r>
+              <a:rPr lang="en-US" altLang="ko-KR" sz="3000" b="1" i="0" dirty="0" err="1">
+                <a:solidFill>
+                  <a:srgbClr val="C00000"/>
+                </a:solidFill>
+                <a:effectLst/>
+                <a:latin typeface="Whitney"/>
+              </a:rPr>
+              <a:t>InputEventManager</a:t>
+            </a:r>
+            <a:r>
+              <a:rPr lang="en-US" altLang="ko-KR" sz="3000" b="1" i="0" dirty="0">
+                <a:solidFill>
+                  <a:schemeClr val="bg1"/>
+                </a:solidFill>
+                <a:effectLst/>
+                <a:latin typeface="Whitney"/>
+              </a:rPr>
+              <a:t> </a:t>
+            </a:r>
+            <a:br>
+              <a:rPr lang="en-US" altLang="ko-KR" sz="3000" b="1" i="0" dirty="0">
+                <a:solidFill>
+                  <a:schemeClr val="bg1"/>
+                </a:solidFill>
+                <a:effectLst/>
+                <a:latin typeface="Whitney"/>
+              </a:rPr>
+            </a:br>
+            <a:r>
+              <a:rPr lang="ko-KR" altLang="en-US" sz="3000" b="1" i="0" dirty="0">
+                <a:solidFill>
+                  <a:schemeClr val="tx1"/>
+                </a:solidFill>
+                <a:effectLst/>
+                <a:latin typeface="Whitney"/>
+              </a:rPr>
+              <a:t>터치 인풋 이벤트를 관리하기 위한 클래스</a:t>
+            </a:r>
+            <a:endParaRPr lang="en-US" altLang="ko-KR" sz="3000" b="1" i="0" dirty="0">
+              <a:solidFill>
+                <a:schemeClr val="tx1"/>
+              </a:solidFill>
+              <a:effectLst/>
+              <a:latin typeface="Whitney"/>
+            </a:endParaRPr>
+          </a:p>
+          <a:p>
+            <a:pPr algn="ctr"/>
+            <a:br>
+              <a:rPr lang="en-US" altLang="ko-KR" sz="3000" b="1" i="0" dirty="0">
+                <a:solidFill>
+                  <a:schemeClr val="bg1"/>
+                </a:solidFill>
+                <a:effectLst/>
+                <a:latin typeface="Whitney"/>
+              </a:rPr>
+            </a:br>
+            <a:r>
+              <a:rPr lang="en-US" altLang="ko-KR" sz="3000" b="1" i="0" dirty="0" err="1">
+                <a:solidFill>
+                  <a:srgbClr val="C00000"/>
+                </a:solidFill>
+                <a:effectLst/>
+                <a:latin typeface="Whitney"/>
+              </a:rPr>
+              <a:t>EntityBaseInfo</a:t>
+            </a:r>
+            <a:r>
+              <a:rPr lang="en-US" altLang="ko-KR" sz="3000" b="1" i="0" dirty="0">
+                <a:solidFill>
+                  <a:srgbClr val="C00000"/>
+                </a:solidFill>
+                <a:effectLst/>
+                <a:latin typeface="Whitney"/>
+              </a:rPr>
+              <a:t> </a:t>
+            </a:r>
+            <a:br>
+              <a:rPr lang="en-US" altLang="ko-KR" sz="3000" b="1" i="0" dirty="0">
+                <a:solidFill>
+                  <a:schemeClr val="bg1"/>
+                </a:solidFill>
+                <a:effectLst/>
+                <a:latin typeface="Whitney"/>
+              </a:rPr>
+            </a:br>
+            <a:r>
+              <a:rPr lang="ko-KR" altLang="en-US" sz="3000" b="1" i="0" dirty="0">
+                <a:solidFill>
+                  <a:schemeClr val="tx1"/>
+                </a:solidFill>
+                <a:effectLst/>
+                <a:latin typeface="Whitney"/>
+              </a:rPr>
+              <a:t>타워</a:t>
+            </a:r>
+            <a:r>
+              <a:rPr lang="en-US" altLang="ko-KR" sz="3000" b="1" i="0" dirty="0">
+                <a:solidFill>
+                  <a:schemeClr val="tx1"/>
+                </a:solidFill>
+                <a:effectLst/>
+                <a:latin typeface="Whitney"/>
+              </a:rPr>
+              <a:t>, </a:t>
+            </a:r>
+            <a:r>
+              <a:rPr lang="ko-KR" altLang="en-US" sz="3000" b="1" i="0" dirty="0">
+                <a:solidFill>
+                  <a:schemeClr val="tx1"/>
+                </a:solidFill>
+                <a:effectLst/>
+                <a:latin typeface="Whitney"/>
+              </a:rPr>
+              <a:t>몬스터를 위한 공용 데이터를 담는 클래스</a:t>
+            </a:r>
+            <a:endParaRPr lang="en-US" altLang="ko-KR" sz="3000" b="1" i="0" dirty="0">
+              <a:solidFill>
+                <a:schemeClr val="tx1"/>
+              </a:solidFill>
+              <a:effectLst/>
+              <a:latin typeface="Whitney"/>
+            </a:endParaRPr>
+          </a:p>
+          <a:p>
+            <a:pPr algn="ctr"/>
+            <a:endParaRPr lang="en-US" altLang="ko-KR" sz="3000" b="1" i="0" dirty="0">
+              <a:solidFill>
+                <a:schemeClr val="bg1"/>
+              </a:solidFill>
+              <a:effectLst/>
+              <a:latin typeface="Whitney"/>
+            </a:endParaRPr>
+          </a:p>
+          <a:p>
+            <a:pPr algn="ctr"/>
+            <a:r>
+              <a:rPr lang="en-US" altLang="ko-KR" sz="3000" b="1" dirty="0" err="1">
+                <a:solidFill>
+                  <a:srgbClr val="C00000"/>
+                </a:solidFill>
+              </a:rPr>
+              <a:t>PhaseManager</a:t>
+            </a:r>
+            <a:r>
+              <a:rPr lang="en-US" altLang="ko-KR" sz="3000" b="1" dirty="0">
+                <a:solidFill>
+                  <a:srgbClr val="C00000"/>
+                </a:solidFill>
+              </a:rPr>
+              <a:t> </a:t>
+            </a:r>
+            <a:r>
+              <a:rPr lang="en-US" altLang="ko-KR" sz="3000" b="1" dirty="0">
+                <a:solidFill>
+                  <a:schemeClr val="bg1"/>
+                </a:solidFill>
+              </a:rPr>
+              <a:t> </a:t>
+            </a:r>
+          </a:p>
+          <a:p>
+            <a:pPr algn="ctr"/>
+            <a:r>
+              <a:rPr lang="ko-KR" altLang="en-US" sz="3000" b="1" dirty="0">
+                <a:solidFill>
+                  <a:schemeClr val="tx1"/>
+                </a:solidFill>
+              </a:rPr>
+              <a:t>게임 타이머</a:t>
+            </a:r>
+            <a:r>
+              <a:rPr lang="en-US" altLang="ko-KR" sz="3000" b="1" dirty="0">
+                <a:solidFill>
+                  <a:schemeClr val="tx1"/>
+                </a:solidFill>
+              </a:rPr>
+              <a:t>, </a:t>
+            </a:r>
+            <a:r>
+              <a:rPr lang="ko-KR" altLang="en-US" sz="3000" b="1" dirty="0" err="1">
+                <a:solidFill>
+                  <a:schemeClr val="tx1"/>
+                </a:solidFill>
+              </a:rPr>
+              <a:t>페이즈</a:t>
+            </a:r>
+            <a:r>
+              <a:rPr lang="en-US" altLang="ko-KR" sz="3000" b="1" dirty="0">
+                <a:solidFill>
+                  <a:schemeClr val="tx1"/>
+                </a:solidFill>
+              </a:rPr>
+              <a:t>, </a:t>
+            </a:r>
+            <a:r>
+              <a:rPr lang="ko-KR" altLang="en-US" sz="3000" b="1" dirty="0">
+                <a:solidFill>
+                  <a:schemeClr val="tx1"/>
+                </a:solidFill>
+              </a:rPr>
+              <a:t>적 생성을 담당하는 클래스</a:t>
+            </a:r>
+          </a:p>
+        </p:txBody>
+      </p:sp>
+      <p:pic>
+        <p:nvPicPr>
+          <p:cNvPr id="9" name="그림 8">
+            <a:extLst>
+              <a:ext uri="{FF2B5EF4-FFF2-40B4-BE49-F238E27FC236}">
+                <a16:creationId xmlns:a16="http://schemas.microsoft.com/office/drawing/2014/main" id="{6F17BCC7-2BDA-6C7E-84DF-8B32D5B5E520}"/>
+              </a:ext>
+            </a:extLst>
+          </p:cNvPr>
+          <p:cNvPicPr>
+            <a:picLocks noChangeAspect="1"/>
+          </p:cNvPicPr>
+          <p:nvPr/>
+        </p:nvPicPr>
+        <p:blipFill>
+          <a:blip r:embed="rId5"/>
+          <a:stretch>
+            <a:fillRect/>
+          </a:stretch>
+        </p:blipFill>
+        <p:spPr>
+          <a:xfrm>
+            <a:off x="457200" y="2394830"/>
+            <a:ext cx="8933448" cy="5213772"/>
+          </a:xfrm>
+          <a:prstGeom prst="rect">
+            <a:avLst/>
+          </a:prstGeom>
+        </p:spPr>
+      </p:pic>
+    </p:spTree>
+    <p:extLst>
+      <p:ext uri="{BB962C8B-B14F-4D97-AF65-F5344CB8AC3E}">
+        <p14:creationId xmlns:p14="http://schemas.microsoft.com/office/powerpoint/2010/main" val="2392710265"/>
+      </p:ext>
+    </p:extLst>
+  </p:cSld>
+  <p:clrMapOvr>
+    <a:masterClrMapping/>
+  </p:clrMapOvr>
+</p:sld>
+</file>
+
+<file path=ppt/slides/slide24.xml><?xml version="1.0" encoding="utf-8"?>
+<p:sld xmlns:a="http://schemas.openxmlformats.org/drawingml/2006/main" xmlns:r="http://schemas.openxmlformats.org/officeDocument/2006/relationships" xmlns:p="http://schemas.openxmlformats.org/presentationml/2006/main">
   <p:cSld name="Slide 15">
     <p:bg>
       <p:bgPr>
@@ -21213,41 +22117,14 @@
               </a:rPr>
               <a:t>  </a:t>
             </a:r>
-            <a:r>
-              <a:rPr lang="ko-KR" altLang="en-US" sz="4800" kern="0" spc="-700" dirty="0" err="1">
+            <a:br>
+              <a:rPr lang="en-US" altLang="ko-KR" sz="4800" kern="0" spc="-700" dirty="0">
                 <a:solidFill>
-                  <a:srgbClr val="8461F8"/>
+                  <a:srgbClr val="FF0000"/>
                 </a:solidFill>
                 <a:latin typeface="DungGeunMo" pitchFamily="34" charset="0"/>
               </a:rPr>
-              <a:t>탑뷰</a:t>
-            </a:r>
-            <a:r>
-              <a:rPr lang="en-US" altLang="ko-KR" sz="4800" kern="0" spc="-700" dirty="0">
-                <a:solidFill>
-                  <a:srgbClr val="8461F8"/>
-                </a:solidFill>
-                <a:latin typeface="DungGeunMo" pitchFamily="34" charset="0"/>
-              </a:rPr>
-              <a:t> </a:t>
-            </a:r>
-            <a:r>
-              <a:rPr lang="ko-KR" altLang="en-US" sz="4800" kern="0" spc="-700" dirty="0">
-                <a:solidFill>
-                  <a:srgbClr val="8461F8"/>
-                </a:solidFill>
-                <a:latin typeface="DungGeunMo" pitchFamily="34" charset="0"/>
-              </a:rPr>
-              <a:t>게임</a:t>
-            </a:r>
-            <a:endParaRPr lang="en-US" altLang="ko-KR" sz="4800" kern="0" spc="-700" dirty="0">
-              <a:solidFill>
-                <a:srgbClr val="8461F8"/>
-              </a:solidFill>
-              <a:latin typeface="DungGeunMo" pitchFamily="34" charset="0"/>
-            </a:endParaRPr>
-          </a:p>
-          <a:p>
+            </a:br>
             <a:r>
               <a:rPr lang="ko-KR" altLang="en-US" sz="4800" kern="0" spc="-700" dirty="0">
                 <a:solidFill>
